--- a/презентация 2.pptx
+++ b/презентация 2.pptx
@@ -5,7 +5,7 @@
     <p:sldMasterId id="2147483648" r:id="rId1"/>
   </p:sldMasterIdLst>
   <p:notesMasterIdLst>
-    <p:notesMasterId r:id="rId12"/>
+    <p:notesMasterId r:id="rId16"/>
   </p:notesMasterIdLst>
   <p:sldIdLst>
     <p:sldId id="256" r:id="rId2"/>
@@ -14,10 +14,14 @@
     <p:sldId id="258" r:id="rId5"/>
     <p:sldId id="264" r:id="rId6"/>
     <p:sldId id="261" r:id="rId7"/>
-    <p:sldId id="259" r:id="rId8"/>
-    <p:sldId id="265" r:id="rId9"/>
-    <p:sldId id="262" r:id="rId10"/>
-    <p:sldId id="263" r:id="rId11"/>
+    <p:sldId id="262" r:id="rId8"/>
+    <p:sldId id="259" r:id="rId9"/>
+    <p:sldId id="267" r:id="rId10"/>
+    <p:sldId id="271" r:id="rId11"/>
+    <p:sldId id="269" r:id="rId12"/>
+    <p:sldId id="270" r:id="rId13"/>
+    <p:sldId id="266" r:id="rId14"/>
+    <p:sldId id="263" r:id="rId15"/>
   </p:sldIdLst>
   <p:sldSz cx="13004800" cy="9753600"/>
   <p:notesSz cx="6858000" cy="9144000"/>
@@ -401,7 +405,7 @@
     </p:spTree>
     <p:extLst>
       <p:ext uri="{BB962C8B-B14F-4D97-AF65-F5344CB8AC3E}">
-        <p14:creationId xmlns:p14="http://schemas.microsoft.com/office/powerpoint/2010/main" val="2078888054"/>
+        <p14:creationId xmlns:p14="http://schemas.microsoft.com/office/powerpoint/2010/main" xmlns="" val="2078888054"/>
       </p:ext>
     </p:extLst>
   </p:cSld>
@@ -561,7 +565,7 @@
     </p:spTree>
     <p:extLst>
       <p:ext uri="{BB962C8B-B14F-4D97-AF65-F5344CB8AC3E}">
-        <p14:creationId xmlns:p14="http://schemas.microsoft.com/office/powerpoint/2010/main" val="472266463"/>
+        <p14:creationId xmlns:p14="http://schemas.microsoft.com/office/powerpoint/2010/main" xmlns="" val="472266463"/>
       </p:ext>
     </p:extLst>
   </p:cSld>
@@ -740,6 +744,8 @@
           </a:lstStyle>
           <a:p>
             <a:fld id="{86CB4B4D-7CA3-9044-876B-883B54F8677D}" type="slidenum">
+              <a:rPr/>
+              <a:pPr/>
               <a:t>‹#›</a:t>
             </a:fld>
             <a:endParaRPr/>
@@ -877,6 +883,8 @@
           <a:lstStyle/>
           <a:p>
             <a:fld id="{86CB4B4D-7CA3-9044-876B-883B54F8677D}" type="slidenum">
+              <a:rPr/>
+              <a:pPr/>
               <a:t>‹#›</a:t>
             </a:fld>
             <a:endParaRPr/>
@@ -958,6 +966,8 @@
           <a:lstStyle/>
           <a:p>
             <a:fld id="{86CB4B4D-7CA3-9044-876B-883B54F8677D}" type="slidenum">
+              <a:rPr/>
+              <a:pPr/>
               <a:t>‹#›</a:t>
             </a:fld>
             <a:endParaRPr/>
@@ -1010,6 +1020,8 @@
           <a:lstStyle/>
           <a:p>
             <a:fld id="{86CB4B4D-7CA3-9044-876B-883B54F8677D}" type="slidenum">
+              <a:rPr/>
+              <a:pPr/>
               <a:t>‹#›</a:t>
             </a:fld>
             <a:endParaRPr/>
@@ -1214,6 +1226,8 @@
           <a:lstStyle/>
           <a:p>
             <a:fld id="{86CB4B4D-7CA3-9044-876B-883B54F8677D}" type="slidenum">
+              <a:rPr/>
+              <a:pPr/>
               <a:t>‹#›</a:t>
             </a:fld>
             <a:endParaRPr/>
@@ -1295,6 +1309,8 @@
           <a:lstStyle/>
           <a:p>
             <a:fld id="{86CB4B4D-7CA3-9044-876B-883B54F8677D}" type="slidenum">
+              <a:rPr/>
+              <a:pPr/>
               <a:t>‹#›</a:t>
             </a:fld>
             <a:endParaRPr/>
@@ -1503,6 +1519,8 @@
           <a:lstStyle/>
           <a:p>
             <a:fld id="{86CB4B4D-7CA3-9044-876B-883B54F8677D}" type="slidenum">
+              <a:rPr/>
+              <a:pPr/>
               <a:t>‹#›</a:t>
             </a:fld>
             <a:endParaRPr/>
@@ -1580,6 +1598,8 @@
           <a:lstStyle/>
           <a:p>
             <a:fld id="{86CB4B4D-7CA3-9044-876B-883B54F8677D}" type="slidenum">
+              <a:rPr/>
+              <a:pPr/>
               <a:t>‹#›</a:t>
             </a:fld>
             <a:endParaRPr/>
@@ -1706,6 +1726,8 @@
           <a:lstStyle/>
           <a:p>
             <a:fld id="{86CB4B4D-7CA3-9044-876B-883B54F8677D}" type="slidenum">
+              <a:rPr/>
+              <a:pPr/>
               <a:t>‹#›</a:t>
             </a:fld>
             <a:endParaRPr/>
@@ -1909,6 +1931,8 @@
           </a:lstStyle>
           <a:p>
             <a:fld id="{86CB4B4D-7CA3-9044-876B-883B54F8677D}" type="slidenum">
+              <a:rPr/>
+              <a:pPr/>
               <a:t>‹#›</a:t>
             </a:fld>
             <a:endParaRPr/>
@@ -2014,6 +2038,8 @@
           <a:lstStyle/>
           <a:p>
             <a:fld id="{86CB4B4D-7CA3-9044-876B-883B54F8677D}" type="slidenum">
+              <a:rPr/>
+              <a:pPr/>
               <a:t>‹#›</a:t>
             </a:fld>
             <a:endParaRPr/>
@@ -2153,6 +2179,8 @@
           <a:lstStyle/>
           <a:p>
             <a:fld id="{86CB4B4D-7CA3-9044-876B-883B54F8677D}" type="slidenum">
+              <a:rPr/>
+              <a:pPr/>
               <a:t>‹#›</a:t>
             </a:fld>
             <a:endParaRPr/>
@@ -2216,7 +2244,7 @@
           </a:ln>
           <a:extLst>
             <a:ext uri="{C572A759-6A51-4108-AA02-DFA0A04FC94B}">
-              <ma14:wrappingTextBoxFlag xmlns:ma14="http://schemas.microsoft.com/office/mac/drawingml/2011/main" xmlns="" val="1"/>
+              <ma14:wrappingTextBoxFlag xmlns="" xmlns:ma14="http://schemas.microsoft.com/office/mac/drawingml/2011/main" val="1"/>
             </a:ext>
           </a:extLst>
         </p:spPr>
@@ -2255,7 +2283,7 @@
           </a:ln>
           <a:extLst>
             <a:ext uri="{C572A759-6A51-4108-AA02-DFA0A04FC94B}">
-              <ma14:wrappingTextBoxFlag xmlns:ma14="http://schemas.microsoft.com/office/mac/drawingml/2011/main" xmlns="" val="1"/>
+              <ma14:wrappingTextBoxFlag xmlns="" xmlns:ma14="http://schemas.microsoft.com/office/mac/drawingml/2011/main" val="1"/>
             </a:ext>
           </a:extLst>
         </p:spPr>
@@ -2333,6 +2361,8 @@
           </a:lstStyle>
           <a:p>
             <a:fld id="{86CB4B4D-7CA3-9044-876B-883B54F8677D}" type="slidenum">
+              <a:rPr/>
+              <a:pPr/>
               <a:t>‹#›</a:t>
             </a:fld>
             <a:endParaRPr/>
@@ -3185,7 +3215,7 @@
           <p:nvPr/>
         </p:nvPicPr>
         <p:blipFill>
-          <a:blip r:embed="rId2">
+          <a:blip r:embed="rId2" cstate="print">
             <a:extLst/>
           </a:blip>
           <a:stretch>
@@ -3239,16 +3269,65 @@
           <a:chExt cx="0" cy="0"/>
         </a:xfrm>
       </p:grpSpPr>
+      <p:sp>
+        <p:nvSpPr>
+          <p:cNvPr id="155" name="Заголовок слайда"/>
+          <p:cNvSpPr txBox="1"/>
+          <p:nvPr/>
+        </p:nvSpPr>
+        <p:spPr>
+          <a:xfrm>
+            <a:off x="510438" y="1644650"/>
+            <a:ext cx="10461197" cy="841256"/>
+          </a:xfrm>
+          <a:prstGeom prst="rect">
+            <a:avLst/>
+          </a:prstGeom>
+          <a:ln w="12700">
+            <a:miter lim="400000"/>
+          </a:ln>
+          <a:extLst>
+            <a:ext uri="{C572A759-6A51-4108-AA02-DFA0A04FC94B}">
+              <ma14:wrappingTextBoxFlag xmlns="" xmlns:ma14="http://schemas.microsoft.com/office/mac/drawingml/2011/main" val="1"/>
+            </a:ext>
+          </a:extLst>
+        </p:spPr>
+        <p:txBody>
+          <a:bodyPr wrap="none" lIns="50800" tIns="50800" rIns="50800" bIns="50800" anchor="ctr">
+            <a:spAutoFit/>
+          </a:bodyPr>
+          <a:lstStyle>
+            <a:lvl1pPr algn="l">
+              <a:defRPr sz="4800" b="0">
+                <a:solidFill>
+                  <a:srgbClr val="35545C"/>
+                </a:solidFill>
+                <a:latin typeface="Roboto Bold"/>
+                <a:ea typeface="Roboto Bold"/>
+                <a:cs typeface="Roboto Bold"/>
+                <a:sym typeface="Roboto Bold"/>
+              </a:defRPr>
+            </a:lvl1pPr>
+          </a:lstStyle>
+          <a:p>
+            <a:r>
+              <a:rPr lang="ru-RU" dirty="0" smtClean="0"/>
+              <a:t>Задание: Создать класс «Мужчина»</a:t>
+            </a:r>
+            <a:endParaRPr/>
+          </a:p>
+        </p:txBody>
+      </p:sp>
       <p:pic>
         <p:nvPicPr>
-          <p:cNvPr id="174" name="0222.png" descr="0222.png"/>
+          <p:cNvPr id="156" name="0222.png" descr="0222.png"/>
           <p:cNvPicPr>
             <a:picLocks noChangeAspect="1"/>
           </p:cNvPicPr>
           <p:nvPr/>
         </p:nvPicPr>
         <p:blipFill>
-          <a:blip r:embed="rId2">
+          <a:blip r:embed="rId2" cstate="print">
             <a:extLst/>
           </a:blip>
           <a:stretch>
@@ -3270,7 +3349,7 @@
       </p:pic>
       <p:sp>
         <p:nvSpPr>
-          <p:cNvPr id="175" name="Линия"/>
+          <p:cNvPr id="157" name="Линия"/>
           <p:cNvSpPr/>
           <p:nvPr/>
         </p:nvSpPr>
@@ -3312,6 +3391,1364 @@
       </p:sp>
       <p:sp>
         <p:nvSpPr>
+          <p:cNvPr id="158" name="Наша миссия – делать обучение осмысленным, реализуя взаимосвязь между ожиданиям работодателей, компетенциями специалистов и возможностями преподавателей. Мы строим сервис, который будет помогать реализовываться десяткам тысяч людей и приносить пользу бизнесу наших партнеров."/>
+          <p:cNvSpPr txBox="1"/>
+          <p:nvPr/>
+        </p:nvSpPr>
+        <p:spPr>
+          <a:xfrm>
+            <a:off x="6010786" y="2656807"/>
+            <a:ext cx="6261567" cy="5704126"/>
+          </a:xfrm>
+          <a:prstGeom prst="rect">
+            <a:avLst/>
+          </a:prstGeom>
+          <a:ln w="12700">
+            <a:miter lim="400000"/>
+          </a:ln>
+          <a:extLst>
+            <a:ext uri="{C572A759-6A51-4108-AA02-DFA0A04FC94B}">
+              <ma14:wrappingTextBoxFlag xmlns="" xmlns:ma14="http://schemas.microsoft.com/office/mac/drawingml/2011/main" val="1"/>
+            </a:ext>
+          </a:extLst>
+        </p:spPr>
+        <p:txBody>
+          <a:bodyPr lIns="50800" tIns="50800" rIns="50800" bIns="50800" anchor="ctr">
+            <a:spAutoFit/>
+          </a:bodyPr>
+          <a:lstStyle>
+            <a:lvl1pPr algn="l" defTabSz="355600">
+              <a:defRPr sz="2800">
+                <a:solidFill>
+                  <a:srgbClr val="35545C"/>
+                </a:solidFill>
+              </a:defRPr>
+            </a:lvl1pPr>
+          </a:lstStyle>
+          <a:p>
+            <a:pPr marL="388937" indent="-388937">
+              <a:lnSpc>
+                <a:spcPct val="150000"/>
+              </a:lnSpc>
+              <a:buSzPct val="145000"/>
+              <a:buChar char="•"/>
+              <a:defRPr sz="2800">
+                <a:solidFill>
+                  <a:srgbClr val="35545C"/>
+                </a:solidFill>
+              </a:defRPr>
+            </a:pPr>
+            <a:r>
+              <a:rPr lang="ru-RU" dirty="0" smtClean="0"/>
+              <a:t>создать класс Мужчина, наследуемый от базового класса «Человек»</a:t>
+            </a:r>
+          </a:p>
+          <a:p>
+            <a:pPr marL="388937" indent="-388937">
+              <a:lnSpc>
+                <a:spcPct val="150000"/>
+              </a:lnSpc>
+              <a:buSzPct val="145000"/>
+              <a:buChar char="•"/>
+              <a:defRPr sz="2800">
+                <a:solidFill>
+                  <a:srgbClr val="35545C"/>
+                </a:solidFill>
+              </a:defRPr>
+            </a:pPr>
+            <a:r>
+              <a:rPr lang="ru-RU" dirty="0" smtClean="0"/>
+              <a:t>2-3 параметра мужчины, которые будут его свойствами (отличающимися от параметров исходного класса)</a:t>
+            </a:r>
+            <a:endParaRPr lang="ru-RU" dirty="0" smtClean="0"/>
+          </a:p>
+          <a:p>
+            <a:pPr marL="388937" indent="-388937">
+              <a:lnSpc>
+                <a:spcPct val="150000"/>
+              </a:lnSpc>
+              <a:buSzPct val="145000"/>
+              <a:buChar char="•"/>
+              <a:defRPr sz="2800">
+                <a:solidFill>
+                  <a:srgbClr val="35545C"/>
+                </a:solidFill>
+              </a:defRPr>
+            </a:pPr>
+            <a:r>
+              <a:rPr lang="ru-RU" dirty="0" smtClean="0"/>
+              <a:t>1-2 переопределенных метода</a:t>
+            </a:r>
+            <a:endParaRPr lang="ru-RU" dirty="0" smtClean="0"/>
+          </a:p>
+          <a:p>
+            <a:r>
+              <a:rPr smtClean="0"/>
+              <a:t> </a:t>
+            </a:r>
+            <a:endParaRPr dirty="0"/>
+          </a:p>
+        </p:txBody>
+      </p:sp>
+      <p:sp>
+        <p:nvSpPr>
+          <p:cNvPr id="159" name="Линия"/>
+          <p:cNvSpPr/>
+          <p:nvPr/>
+        </p:nvSpPr>
+        <p:spPr>
+          <a:xfrm>
+            <a:off x="-12700" y="8674100"/>
+            <a:ext cx="13004801" cy="0"/>
+          </a:xfrm>
+          <a:prstGeom prst="line">
+            <a:avLst/>
+          </a:prstGeom>
+          <a:ln w="12700">
+            <a:solidFill>
+              <a:srgbClr val="35545C">
+                <a:alpha val="11126"/>
+              </a:srgbClr>
+            </a:solidFill>
+            <a:miter lim="400000"/>
+          </a:ln>
+        </p:spPr>
+        <p:txBody>
+          <a:bodyPr lIns="50800" tIns="50800" rIns="50800" bIns="50800" anchor="ctr"/>
+          <a:lstStyle/>
+          <a:p>
+            <a:pPr>
+              <a:defRPr sz="2200" b="0">
+                <a:solidFill>
+                  <a:srgbClr val="FFFFFF"/>
+                </a:solidFill>
+                <a:latin typeface="+mn-lt"/>
+                <a:ea typeface="+mn-ea"/>
+                <a:cs typeface="+mn-cs"/>
+                <a:sym typeface="Helvetica Neue Medium"/>
+              </a:defRPr>
+            </a:pPr>
+            <a:endParaRPr/>
+          </a:p>
+        </p:txBody>
+      </p:sp>
+      <p:pic>
+        <p:nvPicPr>
+          <p:cNvPr id="163" name="ooowl.png" descr="ooowl.png"/>
+          <p:cNvPicPr>
+            <a:picLocks noChangeAspect="1"/>
+          </p:cNvPicPr>
+          <p:nvPr/>
+        </p:nvPicPr>
+        <p:blipFill>
+          <a:blip r:embed="rId3" cstate="print">
+            <a:extLst/>
+          </a:blip>
+          <a:stretch>
+            <a:fillRect/>
+          </a:stretch>
+        </p:blipFill>
+        <p:spPr>
+          <a:xfrm>
+            <a:off x="11695485" y="8912538"/>
+            <a:ext cx="866859" cy="825347"/>
+          </a:xfrm>
+          <a:prstGeom prst="rect">
+            <a:avLst/>
+          </a:prstGeom>
+          <a:ln w="12700">
+            <a:miter lim="400000"/>
+          </a:ln>
+        </p:spPr>
+      </p:pic>
+      <p:pic>
+        <p:nvPicPr>
+          <p:cNvPr id="10" name="Рисунок 9" descr="men.png"/>
+          <p:cNvPicPr>
+            <a:picLocks noChangeAspect="1"/>
+          </p:cNvPicPr>
+          <p:nvPr/>
+        </p:nvPicPr>
+        <p:blipFill>
+          <a:blip r:embed="rId4"/>
+          <a:stretch>
+            <a:fillRect/>
+          </a:stretch>
+        </p:blipFill>
+        <p:spPr>
+          <a:xfrm>
+            <a:off x="0" y="2447908"/>
+            <a:ext cx="3822523" cy="6261135"/>
+          </a:xfrm>
+          <a:prstGeom prst="rect">
+            <a:avLst/>
+          </a:prstGeom>
+        </p:spPr>
+      </p:pic>
+    </p:spTree>
+    <p:extLst>
+      <p:ext uri="{BB962C8B-B14F-4D97-AF65-F5344CB8AC3E}">
+        <p14:creationId xmlns:p14="http://schemas.microsoft.com/office/powerpoint/2010/main" xmlns="" val="481187965"/>
+      </p:ext>
+    </p:extLst>
+  </p:cSld>
+  <p:clrMapOvr>
+    <a:masterClrMapping/>
+  </p:clrMapOvr>
+  <p:transition spd="med"/>
+</p:sld>
+</file>
+
+<file path=ppt/slides/slide11.xml><?xml version="1.0" encoding="utf-8"?>
+<p:sld xmlns:a="http://schemas.openxmlformats.org/drawingml/2006/main" xmlns:r="http://schemas.openxmlformats.org/officeDocument/2006/relationships" xmlns:p="http://schemas.openxmlformats.org/presentationml/2006/main">
+  <p:cSld>
+    <p:bg>
+      <p:bgPr>
+        <a:solidFill>
+          <a:srgbClr val="ECF0F1"/>
+        </a:solidFill>
+        <a:effectLst/>
+      </p:bgPr>
+    </p:bg>
+    <p:spTree>
+      <p:nvGrpSpPr>
+        <p:cNvPr id="1" name=""/>
+        <p:cNvGrpSpPr/>
+        <p:nvPr/>
+      </p:nvGrpSpPr>
+      <p:grpSpPr>
+        <a:xfrm>
+          <a:off x="0" y="0"/>
+          <a:ext cx="0" cy="0"/>
+          <a:chOff x="0" y="0"/>
+          <a:chExt cx="0" cy="0"/>
+        </a:xfrm>
+      </p:grpSpPr>
+      <p:sp>
+        <p:nvSpPr>
+          <p:cNvPr id="155" name="Заголовок слайда"/>
+          <p:cNvSpPr txBox="1"/>
+          <p:nvPr/>
+        </p:nvSpPr>
+        <p:spPr>
+          <a:xfrm>
+            <a:off x="510438" y="1644650"/>
+            <a:ext cx="10060446" cy="841256"/>
+          </a:xfrm>
+          <a:prstGeom prst="rect">
+            <a:avLst/>
+          </a:prstGeom>
+          <a:ln w="12700">
+            <a:miter lim="400000"/>
+          </a:ln>
+          <a:extLst>
+            <a:ext uri="{C572A759-6A51-4108-AA02-DFA0A04FC94B}">
+              <ma14:wrappingTextBoxFlag xmlns="" xmlns:ma14="http://schemas.microsoft.com/office/mac/drawingml/2011/main" val="1"/>
+            </a:ext>
+          </a:extLst>
+        </p:spPr>
+        <p:txBody>
+          <a:bodyPr wrap="none" lIns="50800" tIns="50800" rIns="50800" bIns="50800" anchor="ctr">
+            <a:spAutoFit/>
+          </a:bodyPr>
+          <a:lstStyle>
+            <a:lvl1pPr algn="l">
+              <a:defRPr sz="4800" b="0">
+                <a:solidFill>
+                  <a:srgbClr val="35545C"/>
+                </a:solidFill>
+                <a:latin typeface="Roboto Bold"/>
+                <a:ea typeface="Roboto Bold"/>
+                <a:cs typeface="Roboto Bold"/>
+                <a:sym typeface="Roboto Bold"/>
+              </a:defRPr>
+            </a:lvl1pPr>
+          </a:lstStyle>
+          <a:p>
+            <a:r>
+              <a:rPr lang="ru-RU" dirty="0" smtClean="0"/>
+              <a:t>Задание: Создание класса «</a:t>
+            </a:r>
+            <a:r>
+              <a:rPr lang="ru-RU" dirty="0" err="1" smtClean="0"/>
+              <a:t>Йети</a:t>
+            </a:r>
+            <a:r>
+              <a:rPr lang="ru-RU" dirty="0" smtClean="0"/>
+              <a:t>»</a:t>
+            </a:r>
+            <a:endParaRPr/>
+          </a:p>
+        </p:txBody>
+      </p:sp>
+      <p:pic>
+        <p:nvPicPr>
+          <p:cNvPr id="156" name="0222.png" descr="0222.png"/>
+          <p:cNvPicPr>
+            <a:picLocks noChangeAspect="1"/>
+          </p:cNvPicPr>
+          <p:nvPr/>
+        </p:nvPicPr>
+        <p:blipFill>
+          <a:blip r:embed="rId2" cstate="print">
+            <a:extLst/>
+          </a:blip>
+          <a:stretch>
+            <a:fillRect/>
+          </a:stretch>
+        </p:blipFill>
+        <p:spPr>
+          <a:xfrm>
+            <a:off x="511224" y="334448"/>
+            <a:ext cx="2058133" cy="485309"/>
+          </a:xfrm>
+          <a:prstGeom prst="rect">
+            <a:avLst/>
+          </a:prstGeom>
+          <a:ln w="12700">
+            <a:miter lim="400000"/>
+          </a:ln>
+        </p:spPr>
+      </p:pic>
+      <p:sp>
+        <p:nvSpPr>
+          <p:cNvPr id="157" name="Линия"/>
+          <p:cNvSpPr/>
+          <p:nvPr/>
+        </p:nvSpPr>
+        <p:spPr>
+          <a:xfrm>
+            <a:off x="0" y="1181100"/>
+            <a:ext cx="13004801" cy="0"/>
+          </a:xfrm>
+          <a:prstGeom prst="line">
+            <a:avLst/>
+          </a:prstGeom>
+          <a:ln w="12700">
+            <a:solidFill>
+              <a:srgbClr val="35545C">
+                <a:alpha val="11126"/>
+              </a:srgbClr>
+            </a:solidFill>
+            <a:miter lim="400000"/>
+          </a:ln>
+        </p:spPr>
+        <p:txBody>
+          <a:bodyPr lIns="50800" tIns="50800" rIns="50800" bIns="50800" anchor="ctr"/>
+          <a:lstStyle/>
+          <a:p>
+            <a:pPr>
+              <a:defRPr sz="2200" b="0">
+                <a:solidFill>
+                  <a:srgbClr val="FFFFFF"/>
+                </a:solidFill>
+                <a:latin typeface="+mn-lt"/>
+                <a:ea typeface="+mn-ea"/>
+                <a:cs typeface="+mn-cs"/>
+                <a:sym typeface="Helvetica Neue Medium"/>
+              </a:defRPr>
+            </a:pPr>
+            <a:endParaRPr/>
+          </a:p>
+        </p:txBody>
+      </p:sp>
+      <p:sp>
+        <p:nvSpPr>
+          <p:cNvPr id="158" name="Наша миссия – делать обучение осмысленным, реализуя взаимосвязь между ожиданиям работодателей, компетенциями специалистов и возможностями преподавателей. Мы строим сервис, который будет помогать реализовываться десяткам тысяч людей и приносить пользу бизнесу наших партнеров."/>
+          <p:cNvSpPr txBox="1"/>
+          <p:nvPr/>
+        </p:nvSpPr>
+        <p:spPr>
+          <a:xfrm>
+            <a:off x="6010786" y="2656807"/>
+            <a:ext cx="6261567" cy="5057795"/>
+          </a:xfrm>
+          <a:prstGeom prst="rect">
+            <a:avLst/>
+          </a:prstGeom>
+          <a:ln w="12700">
+            <a:miter lim="400000"/>
+          </a:ln>
+          <a:extLst>
+            <a:ext uri="{C572A759-6A51-4108-AA02-DFA0A04FC94B}">
+              <ma14:wrappingTextBoxFlag xmlns="" xmlns:ma14="http://schemas.microsoft.com/office/mac/drawingml/2011/main" val="1"/>
+            </a:ext>
+          </a:extLst>
+        </p:spPr>
+        <p:txBody>
+          <a:bodyPr lIns="50800" tIns="50800" rIns="50800" bIns="50800" anchor="ctr">
+            <a:spAutoFit/>
+          </a:bodyPr>
+          <a:lstStyle>
+            <a:lvl1pPr algn="l" defTabSz="355600">
+              <a:defRPr sz="2800">
+                <a:solidFill>
+                  <a:srgbClr val="35545C"/>
+                </a:solidFill>
+              </a:defRPr>
+            </a:lvl1pPr>
+          </a:lstStyle>
+          <a:p>
+            <a:pPr marL="388937" indent="-388937">
+              <a:lnSpc>
+                <a:spcPct val="150000"/>
+              </a:lnSpc>
+              <a:buSzPct val="145000"/>
+              <a:buChar char="•"/>
+              <a:defRPr sz="2800">
+                <a:solidFill>
+                  <a:srgbClr val="35545C"/>
+                </a:solidFill>
+              </a:defRPr>
+            </a:pPr>
+            <a:r>
+              <a:rPr lang="ru-RU" dirty="0" smtClean="0"/>
+              <a:t>Создать класс </a:t>
+            </a:r>
+            <a:r>
+              <a:rPr lang="ru-RU" dirty="0" err="1" smtClean="0"/>
+              <a:t>Йети</a:t>
+            </a:r>
+            <a:r>
+              <a:rPr lang="ru-RU" dirty="0" smtClean="0"/>
+              <a:t>, наследуется от «Человек»</a:t>
+            </a:r>
+          </a:p>
+          <a:p>
+            <a:pPr marL="388937" indent="-388937">
+              <a:lnSpc>
+                <a:spcPct val="150000"/>
+              </a:lnSpc>
+              <a:buSzPct val="145000"/>
+              <a:buChar char="•"/>
+              <a:defRPr sz="2800">
+                <a:solidFill>
+                  <a:srgbClr val="35545C"/>
+                </a:solidFill>
+              </a:defRPr>
+            </a:pPr>
+            <a:r>
+              <a:rPr lang="ru-RU" dirty="0" smtClean="0"/>
+              <a:t>2-3 параметра </a:t>
+            </a:r>
+            <a:r>
+              <a:rPr lang="ru-RU" dirty="0" err="1" smtClean="0"/>
+              <a:t>Йети</a:t>
+            </a:r>
+            <a:r>
+              <a:rPr lang="ru-RU" dirty="0" smtClean="0"/>
+              <a:t>, которые будут его свойствами (отличающимися от параметров исходного класса)</a:t>
+            </a:r>
+            <a:endParaRPr lang="ru-RU" dirty="0" smtClean="0"/>
+          </a:p>
+          <a:p>
+            <a:pPr marL="388937" indent="-388937">
+              <a:lnSpc>
+                <a:spcPct val="150000"/>
+              </a:lnSpc>
+              <a:buSzPct val="145000"/>
+              <a:buChar char="•"/>
+              <a:defRPr sz="2800">
+                <a:solidFill>
+                  <a:srgbClr val="35545C"/>
+                </a:solidFill>
+              </a:defRPr>
+            </a:pPr>
+            <a:r>
+              <a:rPr lang="ru-RU" dirty="0" smtClean="0"/>
+              <a:t>1-2 переопределенных метода</a:t>
+            </a:r>
+            <a:endParaRPr lang="ru-RU" dirty="0" smtClean="0"/>
+          </a:p>
+          <a:p>
+            <a:r>
+              <a:rPr smtClean="0"/>
+              <a:t> </a:t>
+            </a:r>
+            <a:endParaRPr dirty="0"/>
+          </a:p>
+        </p:txBody>
+      </p:sp>
+      <p:sp>
+        <p:nvSpPr>
+          <p:cNvPr id="159" name="Линия"/>
+          <p:cNvSpPr/>
+          <p:nvPr/>
+        </p:nvSpPr>
+        <p:spPr>
+          <a:xfrm>
+            <a:off x="-12700" y="8674100"/>
+            <a:ext cx="13004801" cy="0"/>
+          </a:xfrm>
+          <a:prstGeom prst="line">
+            <a:avLst/>
+          </a:prstGeom>
+          <a:ln w="12700">
+            <a:solidFill>
+              <a:srgbClr val="35545C">
+                <a:alpha val="11126"/>
+              </a:srgbClr>
+            </a:solidFill>
+            <a:miter lim="400000"/>
+          </a:ln>
+        </p:spPr>
+        <p:txBody>
+          <a:bodyPr lIns="50800" tIns="50800" rIns="50800" bIns="50800" anchor="ctr"/>
+          <a:lstStyle/>
+          <a:p>
+            <a:pPr>
+              <a:defRPr sz="2200" b="0">
+                <a:solidFill>
+                  <a:srgbClr val="FFFFFF"/>
+                </a:solidFill>
+                <a:latin typeface="+mn-lt"/>
+                <a:ea typeface="+mn-ea"/>
+                <a:cs typeface="+mn-cs"/>
+                <a:sym typeface="Helvetica Neue Medium"/>
+              </a:defRPr>
+            </a:pPr>
+            <a:endParaRPr/>
+          </a:p>
+        </p:txBody>
+      </p:sp>
+      <p:pic>
+        <p:nvPicPr>
+          <p:cNvPr id="163" name="ooowl.png" descr="ooowl.png"/>
+          <p:cNvPicPr>
+            <a:picLocks noChangeAspect="1"/>
+          </p:cNvPicPr>
+          <p:nvPr/>
+        </p:nvPicPr>
+        <p:blipFill>
+          <a:blip r:embed="rId3" cstate="print">
+            <a:extLst/>
+          </a:blip>
+          <a:stretch>
+            <a:fillRect/>
+          </a:stretch>
+        </p:blipFill>
+        <p:spPr>
+          <a:xfrm>
+            <a:off x="11695485" y="8912538"/>
+            <a:ext cx="866859" cy="825347"/>
+          </a:xfrm>
+          <a:prstGeom prst="rect">
+            <a:avLst/>
+          </a:prstGeom>
+          <a:ln w="12700">
+            <a:miter lim="400000"/>
+          </a:ln>
+        </p:spPr>
+      </p:pic>
+      <p:pic>
+        <p:nvPicPr>
+          <p:cNvPr id="9" name="Рисунок 8" descr="yeti.jpg"/>
+          <p:cNvPicPr>
+            <a:picLocks noChangeAspect="1"/>
+          </p:cNvPicPr>
+          <p:nvPr/>
+        </p:nvPicPr>
+        <p:blipFill>
+          <a:blip r:embed="rId4"/>
+          <a:stretch>
+            <a:fillRect/>
+          </a:stretch>
+        </p:blipFill>
+        <p:spPr>
+          <a:xfrm>
+            <a:off x="930236" y="2447908"/>
+            <a:ext cx="4143404" cy="6325597"/>
+          </a:xfrm>
+          <a:prstGeom prst="rect">
+            <a:avLst/>
+          </a:prstGeom>
+        </p:spPr>
+      </p:pic>
+    </p:spTree>
+    <p:extLst>
+      <p:ext uri="{BB962C8B-B14F-4D97-AF65-F5344CB8AC3E}">
+        <p14:creationId xmlns:p14="http://schemas.microsoft.com/office/powerpoint/2010/main" xmlns="" val="481187965"/>
+      </p:ext>
+    </p:extLst>
+  </p:cSld>
+  <p:clrMapOvr>
+    <a:masterClrMapping/>
+  </p:clrMapOvr>
+  <p:transition spd="med"/>
+</p:sld>
+</file>
+
+<file path=ppt/slides/slide12.xml><?xml version="1.0" encoding="utf-8"?>
+<p:sld xmlns:a="http://schemas.openxmlformats.org/drawingml/2006/main" xmlns:r="http://schemas.openxmlformats.org/officeDocument/2006/relationships" xmlns:p="http://schemas.openxmlformats.org/presentationml/2006/main">
+  <p:cSld>
+    <p:bg>
+      <p:bgPr>
+        <a:solidFill>
+          <a:srgbClr val="ECF0F1"/>
+        </a:solidFill>
+        <a:effectLst/>
+      </p:bgPr>
+    </p:bg>
+    <p:spTree>
+      <p:nvGrpSpPr>
+        <p:cNvPr id="1" name=""/>
+        <p:cNvGrpSpPr/>
+        <p:nvPr/>
+      </p:nvGrpSpPr>
+      <p:grpSpPr>
+        <a:xfrm>
+          <a:off x="0" y="0"/>
+          <a:ext cx="0" cy="0"/>
+          <a:chOff x="0" y="0"/>
+          <a:chExt cx="0" cy="0"/>
+        </a:xfrm>
+      </p:grpSpPr>
+      <p:sp>
+        <p:nvSpPr>
+          <p:cNvPr id="155" name="Заголовок слайда"/>
+          <p:cNvSpPr txBox="1"/>
+          <p:nvPr/>
+        </p:nvSpPr>
+        <p:spPr>
+          <a:xfrm>
+            <a:off x="357107" y="1519214"/>
+            <a:ext cx="10632719" cy="1579920"/>
+          </a:xfrm>
+          <a:prstGeom prst="rect">
+            <a:avLst/>
+          </a:prstGeom>
+          <a:ln w="12700">
+            <a:miter lim="400000"/>
+          </a:ln>
+          <a:extLst>
+            <a:ext uri="{C572A759-6A51-4108-AA02-DFA0A04FC94B}">
+              <ma14:wrappingTextBoxFlag xmlns="" xmlns:ma14="http://schemas.microsoft.com/office/mac/drawingml/2011/main" val="1"/>
+            </a:ext>
+          </a:extLst>
+        </p:spPr>
+        <p:txBody>
+          <a:bodyPr wrap="none" lIns="50800" tIns="50800" rIns="50800" bIns="50800" anchor="ctr">
+            <a:spAutoFit/>
+          </a:bodyPr>
+          <a:lstStyle>
+            <a:lvl1pPr algn="l">
+              <a:defRPr sz="4800" b="0">
+                <a:solidFill>
+                  <a:srgbClr val="35545C"/>
+                </a:solidFill>
+                <a:latin typeface="Roboto Bold"/>
+                <a:ea typeface="Roboto Bold"/>
+                <a:cs typeface="Roboto Bold"/>
+                <a:sym typeface="Roboto Bold"/>
+              </a:defRPr>
+            </a:lvl1pPr>
+          </a:lstStyle>
+          <a:p>
+            <a:r>
+              <a:rPr lang="ru-RU" dirty="0" smtClean="0"/>
+              <a:t>Задание: Создать классы «Мама» и </a:t>
+            </a:r>
+          </a:p>
+          <a:p>
+            <a:r>
+              <a:rPr lang="ru-RU" dirty="0" smtClean="0"/>
+              <a:t>«ребенок»</a:t>
+            </a:r>
+            <a:endParaRPr/>
+          </a:p>
+        </p:txBody>
+      </p:sp>
+      <p:pic>
+        <p:nvPicPr>
+          <p:cNvPr id="156" name="0222.png" descr="0222.png"/>
+          <p:cNvPicPr>
+            <a:picLocks noChangeAspect="1"/>
+          </p:cNvPicPr>
+          <p:nvPr/>
+        </p:nvPicPr>
+        <p:blipFill>
+          <a:blip r:embed="rId2" cstate="print">
+            <a:extLst/>
+          </a:blip>
+          <a:stretch>
+            <a:fillRect/>
+          </a:stretch>
+        </p:blipFill>
+        <p:spPr>
+          <a:xfrm>
+            <a:off x="511224" y="334448"/>
+            <a:ext cx="2058133" cy="485309"/>
+          </a:xfrm>
+          <a:prstGeom prst="rect">
+            <a:avLst/>
+          </a:prstGeom>
+          <a:ln w="12700">
+            <a:miter lim="400000"/>
+          </a:ln>
+        </p:spPr>
+      </p:pic>
+      <p:sp>
+        <p:nvSpPr>
+          <p:cNvPr id="157" name="Линия"/>
+          <p:cNvSpPr/>
+          <p:nvPr/>
+        </p:nvSpPr>
+        <p:spPr>
+          <a:xfrm>
+            <a:off x="0" y="1181100"/>
+            <a:ext cx="13004801" cy="0"/>
+          </a:xfrm>
+          <a:prstGeom prst="line">
+            <a:avLst/>
+          </a:prstGeom>
+          <a:ln w="12700">
+            <a:solidFill>
+              <a:srgbClr val="35545C">
+                <a:alpha val="11126"/>
+              </a:srgbClr>
+            </a:solidFill>
+            <a:miter lim="400000"/>
+          </a:ln>
+        </p:spPr>
+        <p:txBody>
+          <a:bodyPr lIns="50800" tIns="50800" rIns="50800" bIns="50800" anchor="ctr"/>
+          <a:lstStyle/>
+          <a:p>
+            <a:pPr>
+              <a:defRPr sz="2200" b="0">
+                <a:solidFill>
+                  <a:srgbClr val="FFFFFF"/>
+                </a:solidFill>
+                <a:latin typeface="+mn-lt"/>
+                <a:ea typeface="+mn-ea"/>
+                <a:cs typeface="+mn-cs"/>
+                <a:sym typeface="Helvetica Neue Medium"/>
+              </a:defRPr>
+            </a:pPr>
+            <a:endParaRPr/>
+          </a:p>
+        </p:txBody>
+      </p:sp>
+      <p:sp>
+        <p:nvSpPr>
+          <p:cNvPr id="158" name="Наша миссия – делать обучение осмысленным, реализуя взаимосвязь между ожиданиям работодателей, компетенциями специалистов и возможностями преподавателей. Мы строим сервис, который будет помогать реализовываться десяткам тысяч людей и приносить пользу бизнесу наших партнеров."/>
+          <p:cNvSpPr txBox="1"/>
+          <p:nvPr/>
+        </p:nvSpPr>
+        <p:spPr>
+          <a:xfrm>
+            <a:off x="6010786" y="2656807"/>
+            <a:ext cx="6261567" cy="5704126"/>
+          </a:xfrm>
+          <a:prstGeom prst="rect">
+            <a:avLst/>
+          </a:prstGeom>
+          <a:ln w="12700">
+            <a:miter lim="400000"/>
+          </a:ln>
+          <a:extLst>
+            <a:ext uri="{C572A759-6A51-4108-AA02-DFA0A04FC94B}">
+              <ma14:wrappingTextBoxFlag xmlns="" xmlns:ma14="http://schemas.microsoft.com/office/mac/drawingml/2011/main" val="1"/>
+            </a:ext>
+          </a:extLst>
+        </p:spPr>
+        <p:txBody>
+          <a:bodyPr lIns="50800" tIns="50800" rIns="50800" bIns="50800" anchor="ctr">
+            <a:spAutoFit/>
+          </a:bodyPr>
+          <a:lstStyle>
+            <a:lvl1pPr algn="l" defTabSz="355600">
+              <a:defRPr sz="2800">
+                <a:solidFill>
+                  <a:srgbClr val="35545C"/>
+                </a:solidFill>
+              </a:defRPr>
+            </a:lvl1pPr>
+          </a:lstStyle>
+          <a:p>
+            <a:pPr marL="388937" indent="-388937">
+              <a:lnSpc>
+                <a:spcPct val="150000"/>
+              </a:lnSpc>
+              <a:buSzPct val="145000"/>
+              <a:buChar char="•"/>
+              <a:defRPr sz="2800">
+                <a:solidFill>
+                  <a:srgbClr val="35545C"/>
+                </a:solidFill>
+              </a:defRPr>
+            </a:pPr>
+            <a:r>
+              <a:rPr lang="ru-RU" dirty="0" smtClean="0"/>
+              <a:t>Создать класс «Мама» (наследуется от «женщина» и «Ребенок» (от «человека»)</a:t>
+            </a:r>
+          </a:p>
+          <a:p>
+            <a:pPr marL="388937" indent="-388937">
+              <a:lnSpc>
+                <a:spcPct val="150000"/>
+              </a:lnSpc>
+              <a:buSzPct val="145000"/>
+              <a:buChar char="•"/>
+              <a:defRPr sz="2800">
+                <a:solidFill>
+                  <a:srgbClr val="35545C"/>
+                </a:solidFill>
+              </a:defRPr>
+            </a:pPr>
+            <a:r>
+              <a:rPr lang="ru-RU" dirty="0" smtClean="0"/>
+              <a:t>2-3 параметра каждому классу, которые будут его свойствами (отличающимися от параметров исходного класса)</a:t>
+            </a:r>
+            <a:endParaRPr lang="ru-RU" dirty="0" smtClean="0"/>
+          </a:p>
+          <a:p>
+            <a:pPr marL="388937" indent="-388937">
+              <a:lnSpc>
+                <a:spcPct val="150000"/>
+              </a:lnSpc>
+              <a:buSzPct val="145000"/>
+              <a:buChar char="•"/>
+              <a:defRPr sz="2800">
+                <a:solidFill>
+                  <a:srgbClr val="35545C"/>
+                </a:solidFill>
+              </a:defRPr>
+            </a:pPr>
+            <a:r>
+              <a:rPr lang="ru-RU" dirty="0" smtClean="0"/>
+              <a:t>1-2 переопределенных метода</a:t>
+            </a:r>
+            <a:endParaRPr lang="ru-RU" dirty="0" smtClean="0"/>
+          </a:p>
+          <a:p>
+            <a:r>
+              <a:rPr smtClean="0"/>
+              <a:t> </a:t>
+            </a:r>
+            <a:endParaRPr dirty="0"/>
+          </a:p>
+        </p:txBody>
+      </p:sp>
+      <p:sp>
+        <p:nvSpPr>
+          <p:cNvPr id="159" name="Линия"/>
+          <p:cNvSpPr/>
+          <p:nvPr/>
+        </p:nvSpPr>
+        <p:spPr>
+          <a:xfrm>
+            <a:off x="-12700" y="8674100"/>
+            <a:ext cx="13004801" cy="0"/>
+          </a:xfrm>
+          <a:prstGeom prst="line">
+            <a:avLst/>
+          </a:prstGeom>
+          <a:ln w="12700">
+            <a:solidFill>
+              <a:srgbClr val="35545C">
+                <a:alpha val="11126"/>
+              </a:srgbClr>
+            </a:solidFill>
+            <a:miter lim="400000"/>
+          </a:ln>
+        </p:spPr>
+        <p:txBody>
+          <a:bodyPr lIns="50800" tIns="50800" rIns="50800" bIns="50800" anchor="ctr"/>
+          <a:lstStyle/>
+          <a:p>
+            <a:pPr>
+              <a:defRPr sz="2200" b="0">
+                <a:solidFill>
+                  <a:srgbClr val="FFFFFF"/>
+                </a:solidFill>
+                <a:latin typeface="+mn-lt"/>
+                <a:ea typeface="+mn-ea"/>
+                <a:cs typeface="+mn-cs"/>
+                <a:sym typeface="Helvetica Neue Medium"/>
+              </a:defRPr>
+            </a:pPr>
+            <a:endParaRPr/>
+          </a:p>
+        </p:txBody>
+      </p:sp>
+      <p:pic>
+        <p:nvPicPr>
+          <p:cNvPr id="163" name="ooowl.png" descr="ooowl.png"/>
+          <p:cNvPicPr>
+            <a:picLocks noChangeAspect="1"/>
+          </p:cNvPicPr>
+          <p:nvPr/>
+        </p:nvPicPr>
+        <p:blipFill>
+          <a:blip r:embed="rId3" cstate="print">
+            <a:extLst/>
+          </a:blip>
+          <a:stretch>
+            <a:fillRect/>
+          </a:stretch>
+        </p:blipFill>
+        <p:spPr>
+          <a:xfrm>
+            <a:off x="11695485" y="8912538"/>
+            <a:ext cx="866859" cy="825347"/>
+          </a:xfrm>
+          <a:prstGeom prst="rect">
+            <a:avLst/>
+          </a:prstGeom>
+          <a:ln w="12700">
+            <a:miter lim="400000"/>
+          </a:ln>
+        </p:spPr>
+      </p:pic>
+      <p:pic>
+        <p:nvPicPr>
+          <p:cNvPr id="10" name="Рисунок 9" descr="mama2.jpg"/>
+          <p:cNvPicPr>
+            <a:picLocks noChangeAspect="1"/>
+          </p:cNvPicPr>
+          <p:nvPr/>
+        </p:nvPicPr>
+        <p:blipFill>
+          <a:blip r:embed="rId4"/>
+          <a:stretch>
+            <a:fillRect/>
+          </a:stretch>
+        </p:blipFill>
+        <p:spPr>
+          <a:xfrm>
+            <a:off x="358732" y="3519478"/>
+            <a:ext cx="5477788" cy="4157641"/>
+          </a:xfrm>
+          <a:prstGeom prst="rect">
+            <a:avLst/>
+          </a:prstGeom>
+        </p:spPr>
+      </p:pic>
+    </p:spTree>
+    <p:extLst>
+      <p:ext uri="{BB962C8B-B14F-4D97-AF65-F5344CB8AC3E}">
+        <p14:creationId xmlns:p14="http://schemas.microsoft.com/office/powerpoint/2010/main" xmlns="" val="481187965"/>
+      </p:ext>
+    </p:extLst>
+  </p:cSld>
+  <p:clrMapOvr>
+    <a:masterClrMapping/>
+  </p:clrMapOvr>
+  <p:transition spd="med"/>
+</p:sld>
+</file>
+
+<file path=ppt/slides/slide13.xml><?xml version="1.0" encoding="utf-8"?>
+<p:sld xmlns:a="http://schemas.openxmlformats.org/drawingml/2006/main" xmlns:r="http://schemas.openxmlformats.org/officeDocument/2006/relationships" xmlns:p="http://schemas.openxmlformats.org/presentationml/2006/main">
+  <p:cSld>
+    <p:bg>
+      <p:bgPr>
+        <a:solidFill>
+          <a:srgbClr val="ECF0F1"/>
+        </a:solidFill>
+        <a:effectLst/>
+      </p:bgPr>
+    </p:bg>
+    <p:spTree>
+      <p:nvGrpSpPr>
+        <p:cNvPr id="1" name=""/>
+        <p:cNvGrpSpPr/>
+        <p:nvPr/>
+      </p:nvGrpSpPr>
+      <p:grpSpPr>
+        <a:xfrm>
+          <a:off x="0" y="0"/>
+          <a:ext cx="0" cy="0"/>
+          <a:chOff x="0" y="0"/>
+          <a:chExt cx="0" cy="0"/>
+        </a:xfrm>
+      </p:grpSpPr>
+      <p:sp>
+        <p:nvSpPr>
+          <p:cNvPr id="165" name="Ненумерованный списочек"/>
+          <p:cNvSpPr txBox="1"/>
+          <p:nvPr/>
+        </p:nvSpPr>
+        <p:spPr>
+          <a:xfrm>
+            <a:off x="510438" y="1644650"/>
+            <a:ext cx="2769989" cy="841256"/>
+          </a:xfrm>
+          <a:prstGeom prst="rect">
+            <a:avLst/>
+          </a:prstGeom>
+          <a:ln w="12700">
+            <a:miter lim="400000"/>
+          </a:ln>
+          <a:extLst>
+            <a:ext uri="{C572A759-6A51-4108-AA02-DFA0A04FC94B}">
+              <ma14:wrappingTextBoxFlag xmlns="" xmlns:ma14="http://schemas.microsoft.com/office/mac/drawingml/2011/main" val="1"/>
+            </a:ext>
+          </a:extLst>
+        </p:spPr>
+        <p:txBody>
+          <a:bodyPr wrap="none" lIns="50800" tIns="50800" rIns="50800" bIns="50800" anchor="ctr">
+            <a:spAutoFit/>
+          </a:bodyPr>
+          <a:lstStyle>
+            <a:lvl1pPr algn="l">
+              <a:defRPr sz="4800" b="0">
+                <a:solidFill>
+                  <a:srgbClr val="35545C"/>
+                </a:solidFill>
+                <a:latin typeface="Roboto Bold"/>
+                <a:ea typeface="Roboto Bold"/>
+                <a:cs typeface="Roboto Bold"/>
+                <a:sym typeface="Roboto Bold"/>
+              </a:defRPr>
+            </a:lvl1pPr>
+          </a:lstStyle>
+          <a:p>
+            <a:r>
+              <a:rPr lang="ru-RU" dirty="0" smtClean="0"/>
+              <a:t>Выводы: </a:t>
+            </a:r>
+            <a:endParaRPr/>
+          </a:p>
+        </p:txBody>
+      </p:sp>
+      <p:pic>
+        <p:nvPicPr>
+          <p:cNvPr id="166" name="0222.png" descr="0222.png"/>
+          <p:cNvPicPr>
+            <a:picLocks noChangeAspect="1"/>
+          </p:cNvPicPr>
+          <p:nvPr/>
+        </p:nvPicPr>
+        <p:blipFill>
+          <a:blip r:embed="rId2" cstate="print">
+            <a:extLst/>
+          </a:blip>
+          <a:stretch>
+            <a:fillRect/>
+          </a:stretch>
+        </p:blipFill>
+        <p:spPr>
+          <a:xfrm>
+            <a:off x="511224" y="334448"/>
+            <a:ext cx="2058133" cy="485309"/>
+          </a:xfrm>
+          <a:prstGeom prst="rect">
+            <a:avLst/>
+          </a:prstGeom>
+          <a:ln w="12700">
+            <a:miter lim="400000"/>
+          </a:ln>
+        </p:spPr>
+      </p:pic>
+      <p:sp>
+        <p:nvSpPr>
+          <p:cNvPr id="167" name="Линия"/>
+          <p:cNvSpPr/>
+          <p:nvPr/>
+        </p:nvSpPr>
+        <p:spPr>
+          <a:xfrm>
+            <a:off x="0" y="1181100"/>
+            <a:ext cx="13004801" cy="0"/>
+          </a:xfrm>
+          <a:prstGeom prst="line">
+            <a:avLst/>
+          </a:prstGeom>
+          <a:ln w="12700">
+            <a:solidFill>
+              <a:srgbClr val="35545C">
+                <a:alpha val="11126"/>
+              </a:srgbClr>
+            </a:solidFill>
+            <a:miter lim="400000"/>
+          </a:ln>
+        </p:spPr>
+        <p:txBody>
+          <a:bodyPr lIns="50800" tIns="50800" rIns="50800" bIns="50800" anchor="ctr"/>
+          <a:lstStyle/>
+          <a:p>
+            <a:pPr>
+              <a:defRPr sz="2200" b="0">
+                <a:solidFill>
+                  <a:srgbClr val="FFFFFF"/>
+                </a:solidFill>
+                <a:latin typeface="+mn-lt"/>
+                <a:ea typeface="+mn-ea"/>
+                <a:cs typeface="+mn-cs"/>
+                <a:sym typeface="Helvetica Neue Medium"/>
+              </a:defRPr>
+            </a:pPr>
+            <a:endParaRPr/>
+          </a:p>
+        </p:txBody>
+      </p:sp>
+      <p:sp>
+        <p:nvSpPr>
+          <p:cNvPr id="168" name="Линия"/>
+          <p:cNvSpPr/>
+          <p:nvPr/>
+        </p:nvSpPr>
+        <p:spPr>
+          <a:xfrm>
+            <a:off x="-12700" y="8674100"/>
+            <a:ext cx="13004801" cy="0"/>
+          </a:xfrm>
+          <a:prstGeom prst="line">
+            <a:avLst/>
+          </a:prstGeom>
+          <a:ln w="12700">
+            <a:solidFill>
+              <a:srgbClr val="35545C">
+                <a:alpha val="11126"/>
+              </a:srgbClr>
+            </a:solidFill>
+            <a:miter lim="400000"/>
+          </a:ln>
+        </p:spPr>
+        <p:txBody>
+          <a:bodyPr lIns="50800" tIns="50800" rIns="50800" bIns="50800" anchor="ctr"/>
+          <a:lstStyle/>
+          <a:p>
+            <a:pPr>
+              <a:defRPr sz="2200" b="0">
+                <a:solidFill>
+                  <a:srgbClr val="FFFFFF"/>
+                </a:solidFill>
+                <a:latin typeface="+mn-lt"/>
+                <a:ea typeface="+mn-ea"/>
+                <a:cs typeface="+mn-cs"/>
+                <a:sym typeface="Helvetica Neue Medium"/>
+              </a:defRPr>
+            </a:pPr>
+            <a:endParaRPr/>
+          </a:p>
+        </p:txBody>
+      </p:sp>
+      <p:sp>
+        <p:nvSpPr>
+          <p:cNvPr id="171" name="Пункт списка…"/>
+          <p:cNvSpPr txBox="1"/>
+          <p:nvPr/>
+        </p:nvSpPr>
+        <p:spPr>
+          <a:xfrm>
+            <a:off x="496950" y="2856501"/>
+            <a:ext cx="9790822" cy="2041585"/>
+          </a:xfrm>
+          <a:prstGeom prst="rect">
+            <a:avLst/>
+          </a:prstGeom>
+          <a:ln w="12700">
+            <a:miter lim="400000"/>
+          </a:ln>
+          <a:extLst>
+            <a:ext uri="{C572A759-6A51-4108-AA02-DFA0A04FC94B}">
+              <ma14:wrappingTextBoxFlag xmlns="" xmlns:ma14="http://schemas.microsoft.com/office/mac/drawingml/2011/main" val="1"/>
+            </a:ext>
+          </a:extLst>
+        </p:spPr>
+        <p:txBody>
+          <a:bodyPr wrap="none" lIns="50800" tIns="50800" rIns="50800" bIns="50800" anchor="ctr">
+            <a:spAutoFit/>
+          </a:bodyPr>
+          <a:lstStyle/>
+          <a:p>
+            <a:pPr marL="388937" indent="-388937" algn="l">
+              <a:lnSpc>
+                <a:spcPct val="150000"/>
+              </a:lnSpc>
+              <a:buSzPct val="145000"/>
+              <a:buChar char="•"/>
+              <a:defRPr sz="2800">
+                <a:solidFill>
+                  <a:srgbClr val="35545C"/>
+                </a:solidFill>
+              </a:defRPr>
+            </a:pPr>
+            <a:r>
+              <a:rPr lang="ru-RU" dirty="0" smtClean="0"/>
+              <a:t>можем применять в работе основные понятия ООП</a:t>
+            </a:r>
+            <a:endParaRPr/>
+          </a:p>
+          <a:p>
+            <a:pPr marL="388937" indent="-388937" algn="l">
+              <a:lnSpc>
+                <a:spcPct val="150000"/>
+              </a:lnSpc>
+              <a:buSzPct val="145000"/>
+              <a:buChar char="•"/>
+              <a:defRPr sz="2800">
+                <a:solidFill>
+                  <a:srgbClr val="35545C"/>
+                </a:solidFill>
+              </a:defRPr>
+            </a:pPr>
+            <a:r>
+              <a:rPr lang="ru-RU" dirty="0" smtClean="0"/>
+              <a:t>научились создавать модели ООП</a:t>
+            </a:r>
+            <a:endParaRPr/>
+          </a:p>
+          <a:p>
+            <a:pPr marL="388937" indent="-388937" algn="l">
+              <a:lnSpc>
+                <a:spcPct val="150000"/>
+              </a:lnSpc>
+              <a:buSzPct val="145000"/>
+              <a:buChar char="•"/>
+              <a:defRPr sz="2800">
+                <a:solidFill>
+                  <a:srgbClr val="35545C"/>
+                </a:solidFill>
+              </a:defRPr>
+            </a:pPr>
+            <a:r>
+              <a:rPr lang="ru-RU" dirty="0" smtClean="0"/>
+              <a:t>научились использовать основные принципы ООП</a:t>
+            </a:r>
+            <a:endParaRPr/>
+          </a:p>
+        </p:txBody>
+      </p:sp>
+      <p:pic>
+        <p:nvPicPr>
+          <p:cNvPr id="172" name="ooowl.png" descr="ooowl.png"/>
+          <p:cNvPicPr>
+            <a:picLocks noChangeAspect="1"/>
+          </p:cNvPicPr>
+          <p:nvPr/>
+        </p:nvPicPr>
+        <p:blipFill>
+          <a:blip r:embed="rId3" cstate="print">
+            <a:extLst/>
+          </a:blip>
+          <a:stretch>
+            <a:fillRect/>
+          </a:stretch>
+        </p:blipFill>
+        <p:spPr>
+          <a:xfrm>
+            <a:off x="11695485" y="8912538"/>
+            <a:ext cx="866859" cy="825347"/>
+          </a:xfrm>
+          <a:prstGeom prst="rect">
+            <a:avLst/>
+          </a:prstGeom>
+          <a:ln w="12700">
+            <a:miter lim="400000"/>
+          </a:ln>
+        </p:spPr>
+      </p:pic>
+    </p:spTree>
+  </p:cSld>
+  <p:clrMapOvr>
+    <a:masterClrMapping/>
+  </p:clrMapOvr>
+  <p:transition spd="med"/>
+</p:sld>
+</file>
+
+<file path=ppt/slides/slide14.xml><?xml version="1.0" encoding="utf-8"?>
+<p:sld xmlns:a="http://schemas.openxmlformats.org/drawingml/2006/main" xmlns:r="http://schemas.openxmlformats.org/officeDocument/2006/relationships" xmlns:p="http://schemas.openxmlformats.org/presentationml/2006/main">
+  <p:cSld>
+    <p:bg>
+      <p:bgPr>
+        <a:solidFill>
+          <a:srgbClr val="ECF0F1"/>
+        </a:solidFill>
+        <a:effectLst/>
+      </p:bgPr>
+    </p:bg>
+    <p:spTree>
+      <p:nvGrpSpPr>
+        <p:cNvPr id="1" name=""/>
+        <p:cNvGrpSpPr/>
+        <p:nvPr/>
+      </p:nvGrpSpPr>
+      <p:grpSpPr>
+        <a:xfrm>
+          <a:off x="0" y="0"/>
+          <a:ext cx="0" cy="0"/>
+          <a:chOff x="0" y="0"/>
+          <a:chExt cx="0" cy="0"/>
+        </a:xfrm>
+      </p:grpSpPr>
+      <p:pic>
+        <p:nvPicPr>
+          <p:cNvPr id="174" name="0222.png" descr="0222.png"/>
+          <p:cNvPicPr>
+            <a:picLocks noChangeAspect="1"/>
+          </p:cNvPicPr>
+          <p:nvPr/>
+        </p:nvPicPr>
+        <p:blipFill>
+          <a:blip r:embed="rId2" cstate="print">
+            <a:extLst/>
+          </a:blip>
+          <a:stretch>
+            <a:fillRect/>
+          </a:stretch>
+        </p:blipFill>
+        <p:spPr>
+          <a:xfrm>
+            <a:off x="511224" y="334448"/>
+            <a:ext cx="2058133" cy="485309"/>
+          </a:xfrm>
+          <a:prstGeom prst="rect">
+            <a:avLst/>
+          </a:prstGeom>
+          <a:ln w="12700">
+            <a:miter lim="400000"/>
+          </a:ln>
+        </p:spPr>
+      </p:pic>
+      <p:sp>
+        <p:nvSpPr>
+          <p:cNvPr id="175" name="Линия"/>
+          <p:cNvSpPr/>
+          <p:nvPr/>
+        </p:nvSpPr>
+        <p:spPr>
+          <a:xfrm>
+            <a:off x="0" y="1181100"/>
+            <a:ext cx="13004801" cy="0"/>
+          </a:xfrm>
+          <a:prstGeom prst="line">
+            <a:avLst/>
+          </a:prstGeom>
+          <a:ln w="12700">
+            <a:solidFill>
+              <a:srgbClr val="35545C">
+                <a:alpha val="11126"/>
+              </a:srgbClr>
+            </a:solidFill>
+            <a:miter lim="400000"/>
+          </a:ln>
+        </p:spPr>
+        <p:txBody>
+          <a:bodyPr lIns="50800" tIns="50800" rIns="50800" bIns="50800" anchor="ctr"/>
+          <a:lstStyle/>
+          <a:p>
+            <a:pPr>
+              <a:defRPr sz="2200" b="0">
+                <a:solidFill>
+                  <a:srgbClr val="FFFFFF"/>
+                </a:solidFill>
+                <a:latin typeface="+mn-lt"/>
+                <a:ea typeface="+mn-ea"/>
+                <a:cs typeface="+mn-cs"/>
+                <a:sym typeface="Helvetica Neue Medium"/>
+              </a:defRPr>
+            </a:pPr>
+            <a:endParaRPr/>
+          </a:p>
+        </p:txBody>
+      </p:sp>
+      <p:sp>
+        <p:nvSpPr>
           <p:cNvPr id="176" name="Спасибо…"/>
           <p:cNvSpPr txBox="1"/>
           <p:nvPr/>
@@ -3329,7 +4766,7 @@
           </a:ln>
           <a:extLst>
             <a:ext uri="{C572A759-6A51-4108-AA02-DFA0A04FC94B}">
-              <ma14:wrappingTextBoxFlag xmlns:ma14="http://schemas.microsoft.com/office/mac/drawingml/2011/main" xmlns="" val="1"/>
+              <ma14:wrappingTextBoxFlag xmlns="" xmlns:ma14="http://schemas.microsoft.com/office/mac/drawingml/2011/main" val="1"/>
             </a:ext>
           </a:extLst>
         </p:spPr>
@@ -3444,7 +4881,7 @@
           <p:nvPr/>
         </p:nvPicPr>
         <p:blipFill>
-          <a:blip r:embed="rId2">
+          <a:blip r:embed="rId2" cstate="print">
             <a:extLst/>
           </a:blip>
           <a:stretch>
@@ -3483,7 +4920,7 @@
           </a:ln>
           <a:extLst>
             <a:ext uri="{C572A759-6A51-4108-AA02-DFA0A04FC94B}">
-              <ma14:wrappingTextBoxFlag xmlns:ma14="http://schemas.microsoft.com/office/mac/drawingml/2011/main" xmlns="" val="1"/>
+              <ma14:wrappingTextBoxFlag xmlns="" xmlns:ma14="http://schemas.microsoft.com/office/mac/drawingml/2011/main" val="1"/>
             </a:ext>
           </a:extLst>
         </p:spPr>
@@ -3561,7 +4998,7 @@
           </a:ln>
           <a:extLst>
             <a:ext uri="{C572A759-6A51-4108-AA02-DFA0A04FC94B}">
-              <ma14:wrappingTextBoxFlag xmlns:ma14="http://schemas.microsoft.com/office/mac/drawingml/2011/main" xmlns="" val="1"/>
+              <ma14:wrappingTextBoxFlag xmlns="" xmlns:ma14="http://schemas.microsoft.com/office/mac/drawingml/2011/main" val="1"/>
             </a:ext>
           </a:extLst>
         </p:spPr>
@@ -3618,7 +5055,7 @@
           </a:ln>
           <a:extLst>
             <a:ext uri="{C572A759-6A51-4108-AA02-DFA0A04FC94B}">
-              <ma14:wrappingTextBoxFlag xmlns:ma14="http://schemas.microsoft.com/office/mac/drawingml/2011/main" xmlns="" val="1"/>
+              <ma14:wrappingTextBoxFlag xmlns="" xmlns:ma14="http://schemas.microsoft.com/office/mac/drawingml/2011/main" val="1"/>
             </a:ext>
           </a:extLst>
         </p:spPr>
@@ -3789,7 +5226,7 @@
           </a:ln>
           <a:extLst>
             <a:ext uri="{C572A759-6A51-4108-AA02-DFA0A04FC94B}">
-              <ma14:wrappingTextBoxFlag xmlns:ma14="http://schemas.microsoft.com/office/mac/drawingml/2011/main" xmlns="" val="1"/>
+              <ma14:wrappingTextBoxFlag xmlns="" xmlns:ma14="http://schemas.microsoft.com/office/mac/drawingml/2011/main" val="1"/>
             </a:ext>
           </a:extLst>
         </p:spPr>
@@ -3828,7 +5265,7 @@
           <p:nvPr/>
         </p:nvPicPr>
         <p:blipFill>
-          <a:blip r:embed="rId2">
+          <a:blip r:embed="rId2" cstate="print">
             <a:extLst/>
           </a:blip>
           <a:stretch>
@@ -3909,7 +5346,7 @@
           </a:ln>
           <a:extLst>
             <a:ext uri="{C572A759-6A51-4108-AA02-DFA0A04FC94B}">
-              <ma14:wrappingTextBoxFlag xmlns:ma14="http://schemas.microsoft.com/office/mac/drawingml/2011/main" xmlns="" val="1"/>
+              <ma14:wrappingTextBoxFlag xmlns="" xmlns:ma14="http://schemas.microsoft.com/office/mac/drawingml/2011/main" val="1"/>
             </a:ext>
           </a:extLst>
         </p:spPr>
@@ -4134,7 +5571,7 @@
           <p:nvPr/>
         </p:nvPicPr>
         <p:blipFill>
-          <a:blip r:embed="rId3">
+          <a:blip r:embed="rId3" cstate="print">
             <a:extLst/>
           </a:blip>
           <a:stretch>
@@ -4196,8 +5633,8 @@
         </p:nvSpPr>
         <p:spPr>
           <a:xfrm>
-            <a:off x="510438" y="1644650"/>
-            <a:ext cx="5331322" cy="825501"/>
+            <a:off x="501608" y="1376338"/>
+            <a:ext cx="4010713" cy="841256"/>
           </a:xfrm>
           <a:prstGeom prst="rect">
             <a:avLst/>
@@ -4207,7 +5644,7 @@
           </a:ln>
           <a:extLst>
             <a:ext uri="{C572A759-6A51-4108-AA02-DFA0A04FC94B}">
-              <ma14:wrappingTextBoxFlag xmlns:ma14="http://schemas.microsoft.com/office/mac/drawingml/2011/main" xmlns="" val="1"/>
+              <ma14:wrappingTextBoxFlag xmlns="" xmlns:ma14="http://schemas.microsoft.com/office/mac/drawingml/2011/main" val="1"/>
             </a:ext>
           </a:extLst>
         </p:spPr>
@@ -4230,8 +5667,10 @@
           </a:lstStyle>
           <a:p>
             <a:r>
-              <a:t>Заголовок слайда</a:t>
-            </a:r>
+              <a:rPr lang="ru-RU" dirty="0" smtClean="0"/>
+              <a:t>Цель занятия</a:t>
+            </a:r>
+            <a:endParaRPr/>
           </a:p>
         </p:txBody>
       </p:sp>
@@ -4244,7 +5683,7 @@
           <p:nvPr/>
         </p:nvPicPr>
         <p:blipFill>
-          <a:blip r:embed="rId2">
+          <a:blip r:embed="rId2" cstate="print">
             <a:extLst/>
           </a:blip>
           <a:stretch>
@@ -4314,8 +5753,8 @@
         </p:nvSpPr>
         <p:spPr>
           <a:xfrm>
-            <a:off x="549786" y="3101307"/>
-            <a:ext cx="11879828" cy="3113886"/>
+            <a:off x="430170" y="2376470"/>
+            <a:ext cx="11879828" cy="2257028"/>
           </a:xfrm>
           <a:prstGeom prst="rect">
             <a:avLst/>
@@ -4325,7 +5764,7 @@
           </a:ln>
           <a:extLst>
             <a:ext uri="{C572A759-6A51-4108-AA02-DFA0A04FC94B}">
-              <ma14:wrappingTextBoxFlag xmlns:ma14="http://schemas.microsoft.com/office/mac/drawingml/2011/main" xmlns="" val="1"/>
+              <ma14:wrappingTextBoxFlag xmlns="" xmlns:ma14="http://schemas.microsoft.com/office/mac/drawingml/2011/main" val="1"/>
             </a:ext>
           </a:extLst>
         </p:spPr>
@@ -4343,8 +5782,26 @@
               </a:defRPr>
             </a:pPr>
             <a:r>
-              <a:t>Наша миссия – делать обучение осмысленным, реализуя взаимосвязь между ожиданиям работодателей, компетенциями специалистов и возможностями преподавателей. Мы строим сервис, который будет помогать реализовываться десяткам тысяч людей и приносить пользу бизнесу наших партнеров. </a:t>
-            </a:r>
+              <a:rPr/>
+              <a:t>Наша </a:t>
+            </a:r>
+            <a:r>
+              <a:rPr lang="ru-RU" dirty="0" smtClean="0"/>
+              <a:t>цель – изучить основы ООП, разобрать на понятных примерах создание классов и объектов</a:t>
+            </a:r>
+            <a:r>
+              <a:rPr smtClean="0"/>
+              <a:t>.</a:t>
+            </a:r>
+            <a:r>
+              <a:rPr lang="ru-RU" dirty="0" smtClean="0"/>
+              <a:t> По окончании занятия студенты смогут моделировать классы объектов своих программ</a:t>
+            </a:r>
+            <a:r>
+              <a:rPr smtClean="0"/>
+              <a:t> </a:t>
+            </a:r>
+            <a:endParaRPr/>
           </a:p>
           <a:p>
             <a:pPr algn="l" defTabSz="355600">
@@ -4409,7 +5866,7 @@
           <p:nvPr/>
         </p:nvPicPr>
         <p:blipFill>
-          <a:blip r:embed="rId3">
+          <a:blip r:embed="rId3" cstate="print">
             <a:extLst/>
           </a:blip>
           <a:stretch>
@@ -4429,6 +5886,116 @@
           </a:ln>
         </p:spPr>
       </p:pic>
+      <p:sp>
+        <p:nvSpPr>
+          <p:cNvPr id="8" name="Заголовок слайда"/>
+          <p:cNvSpPr txBox="1"/>
+          <p:nvPr/>
+        </p:nvSpPr>
+        <p:spPr>
+          <a:xfrm>
+            <a:off x="501608" y="4448172"/>
+            <a:ext cx="2736327" cy="841256"/>
+          </a:xfrm>
+          <a:prstGeom prst="rect">
+            <a:avLst/>
+          </a:prstGeom>
+          <a:ln w="12700">
+            <a:miter lim="400000"/>
+          </a:ln>
+          <a:extLst>
+            <a:ext uri="{C572A759-6A51-4108-AA02-DFA0A04FC94B}">
+              <ma14:wrappingTextBoxFlag xmlns="" xmlns:ma14="http://schemas.microsoft.com/office/mac/drawingml/2011/main" val="1"/>
+            </a:ext>
+          </a:extLst>
+        </p:spPr>
+        <p:txBody>
+          <a:bodyPr wrap="none" lIns="50800" tIns="50800" rIns="50800" bIns="50800" anchor="ctr">
+            <a:spAutoFit/>
+          </a:bodyPr>
+          <a:lstStyle>
+            <a:lvl1pPr algn="l">
+              <a:defRPr sz="4800" b="0">
+                <a:solidFill>
+                  <a:srgbClr val="35545C"/>
+                </a:solidFill>
+                <a:latin typeface="Roboto Bold"/>
+                <a:ea typeface="Roboto Bold"/>
+                <a:cs typeface="Roboto Bold"/>
+                <a:sym typeface="Roboto Bold"/>
+              </a:defRPr>
+            </a:lvl1pPr>
+          </a:lstStyle>
+          <a:p>
+            <a:r>
+              <a:rPr lang="ru-RU" dirty="0" smtClean="0"/>
+              <a:t>Ресурсы:</a:t>
+            </a:r>
+            <a:endParaRPr/>
+          </a:p>
+        </p:txBody>
+      </p:sp>
+      <p:sp>
+        <p:nvSpPr>
+          <p:cNvPr id="9" name="Заголовок слайда"/>
+          <p:cNvSpPr txBox="1"/>
+          <p:nvPr/>
+        </p:nvSpPr>
+        <p:spPr>
+          <a:xfrm>
+            <a:off x="430170" y="5662618"/>
+            <a:ext cx="3770263" cy="841256"/>
+          </a:xfrm>
+          <a:prstGeom prst="rect">
+            <a:avLst/>
+          </a:prstGeom>
+          <a:ln w="12700">
+            <a:miter lim="400000"/>
+          </a:ln>
+          <a:extLst>
+            <a:ext uri="{C572A759-6A51-4108-AA02-DFA0A04FC94B}">
+              <ma14:wrappingTextBoxFlag xmlns="" xmlns:ma14="http://schemas.microsoft.com/office/mac/drawingml/2011/main" val="1"/>
+            </a:ext>
+          </a:extLst>
+        </p:spPr>
+        <p:txBody>
+          <a:bodyPr wrap="none" lIns="50800" tIns="50800" rIns="50800" bIns="50800" anchor="ctr">
+            <a:spAutoFit/>
+          </a:bodyPr>
+          <a:lstStyle>
+            <a:lvl1pPr algn="l">
+              <a:defRPr sz="4800" b="0">
+                <a:solidFill>
+                  <a:srgbClr val="35545C"/>
+                </a:solidFill>
+                <a:latin typeface="Roboto Bold"/>
+                <a:ea typeface="Roboto Bold"/>
+                <a:cs typeface="Roboto Bold"/>
+                <a:sym typeface="Roboto Bold"/>
+              </a:defRPr>
+            </a:lvl1pPr>
+          </a:lstStyle>
+          <a:p>
+            <a:r>
+              <a:rPr lang="en-US" dirty="0" smtClean="0">
+                <a:solidFill>
+                  <a:schemeClr val="accent1">
+                    <a:lumMod val="75000"/>
+                  </a:schemeClr>
+                </a:solidFill>
+              </a:rPr>
+              <a:t>phptester.net</a:t>
+            </a:r>
+            <a:endParaRPr>
+              <a:solidFill>
+                <a:schemeClr val="accent1">
+                  <a:lumMod val="75000"/>
+                </a:schemeClr>
+              </a:solidFill>
+            </a:endParaRPr>
+          </a:p>
+        </p:txBody>
+      </p:sp>
     </p:spTree>
   </p:cSld>
   <p:clrMapOvr>
@@ -4482,7 +6049,7 @@
           </a:ln>
           <a:extLst>
             <a:ext uri="{C572A759-6A51-4108-AA02-DFA0A04FC94B}">
-              <ma14:wrappingTextBoxFlag xmlns:ma14="http://schemas.microsoft.com/office/mac/drawingml/2011/main" xmlns="" val="1"/>
+              <ma14:wrappingTextBoxFlag xmlns="" xmlns:ma14="http://schemas.microsoft.com/office/mac/drawingml/2011/main" val="1"/>
             </a:ext>
           </a:extLst>
         </p:spPr>
@@ -4521,7 +6088,7 @@
           <p:nvPr/>
         </p:nvPicPr>
         <p:blipFill>
-          <a:blip r:embed="rId2">
+          <a:blip r:embed="rId2" cstate="print">
             <a:extLst/>
           </a:blip>
           <a:stretch>
@@ -4602,7 +6169,7 @@
           </a:ln>
           <a:extLst>
             <a:ext uri="{C572A759-6A51-4108-AA02-DFA0A04FC94B}">
-              <ma14:wrappingTextBoxFlag xmlns:ma14="http://schemas.microsoft.com/office/mac/drawingml/2011/main" xmlns="" val="1"/>
+              <ma14:wrappingTextBoxFlag xmlns="" xmlns:ma14="http://schemas.microsoft.com/office/mac/drawingml/2011/main" val="1"/>
             </a:ext>
           </a:extLst>
         </p:spPr>
@@ -4725,7 +6292,7 @@
           </a:ln>
           <a:extLst>
             <a:ext uri="{C572A759-6A51-4108-AA02-DFA0A04FC94B}">
-              <ma14:wrappingTextBoxFlag xmlns:ma14="http://schemas.microsoft.com/office/mac/drawingml/2011/main" xmlns="" val="1"/>
+              <ma14:wrappingTextBoxFlag xmlns="" xmlns:ma14="http://schemas.microsoft.com/office/mac/drawingml/2011/main" val="1"/>
             </a:ext>
           </a:extLst>
         </p:spPr>
@@ -4760,7 +6327,7 @@
           <p:nvPr/>
         </p:nvPicPr>
         <p:blipFill>
-          <a:blip r:embed="rId3">
+          <a:blip r:embed="rId3" cstate="print">
             <a:extLst/>
           </a:blip>
           <a:stretch>
@@ -4792,7 +6359,7 @@
           <a:blip r:embed="rId4">
             <a:extLst>
               <a:ext uri="{28A0092B-C50C-407E-A947-70E740481C1C}">
-                <a14:useLocalDpi xmlns:a14="http://schemas.microsoft.com/office/drawing/2010/main" val="0"/>
+                <a14:useLocalDpi xmlns:a14="http://schemas.microsoft.com/office/drawing/2010/main" xmlns="" val="0"/>
               </a:ext>
             </a:extLst>
           </a:blip>
@@ -4813,7 +6380,7 @@
     </p:spTree>
     <p:extLst>
       <p:ext uri="{BB962C8B-B14F-4D97-AF65-F5344CB8AC3E}">
-        <p14:creationId xmlns:p14="http://schemas.microsoft.com/office/powerpoint/2010/main" val="1586534834"/>
+        <p14:creationId xmlns:p14="http://schemas.microsoft.com/office/powerpoint/2010/main" xmlns="" val="1586534834"/>
       </p:ext>
     </p:extLst>
   </p:cSld>
@@ -4868,7 +6435,7 @@
           </a:ln>
           <a:extLst>
             <a:ext uri="{C572A759-6A51-4108-AA02-DFA0A04FC94B}">
-              <ma14:wrappingTextBoxFlag xmlns:ma14="http://schemas.microsoft.com/office/mac/drawingml/2011/main" xmlns="" val="1"/>
+              <ma14:wrappingTextBoxFlag xmlns="" xmlns:ma14="http://schemas.microsoft.com/office/mac/drawingml/2011/main" val="1"/>
             </a:ext>
           </a:extLst>
         </p:spPr>
@@ -4907,7 +6474,7 @@
           <p:nvPr/>
         </p:nvPicPr>
         <p:blipFill>
-          <a:blip r:embed="rId3">
+          <a:blip r:embed="rId3" cstate="print">
             <a:extLst/>
           </a:blip>
           <a:stretch>
@@ -4988,7 +6555,7 @@
           </a:ln>
           <a:extLst>
             <a:ext uri="{C572A759-6A51-4108-AA02-DFA0A04FC94B}">
-              <ma14:wrappingTextBoxFlag xmlns:ma14="http://schemas.microsoft.com/office/mac/drawingml/2011/main" xmlns="" val="1"/>
+              <ma14:wrappingTextBoxFlag xmlns="" xmlns:ma14="http://schemas.microsoft.com/office/mac/drawingml/2011/main" val="1"/>
             </a:ext>
           </a:extLst>
         </p:spPr>
@@ -5083,7 +6650,7 @@
           <p:nvPr/>
         </p:nvPicPr>
         <p:blipFill>
-          <a:blip r:embed="rId4">
+          <a:blip r:embed="rId4" cstate="print">
             <a:extLst/>
           </a:blip>
           <a:stretch>
@@ -5115,7 +6682,7 @@
           <a:blip r:embed="rId5">
             <a:extLst>
               <a:ext uri="{28A0092B-C50C-407E-A947-70E740481C1C}">
-                <a14:useLocalDpi xmlns:a14="http://schemas.microsoft.com/office/drawing/2010/main" val="0"/>
+                <a14:useLocalDpi xmlns:a14="http://schemas.microsoft.com/office/drawing/2010/main" xmlns="" val="0"/>
               </a:ext>
             </a:extLst>
           </a:blip>
@@ -5152,7 +6719,7 @@
           </a:ln>
           <a:extLst>
             <a:ext uri="{C572A759-6A51-4108-AA02-DFA0A04FC94B}">
-              <ma14:wrappingTextBoxFlag xmlns:ma14="http://schemas.microsoft.com/office/mac/drawingml/2011/main" xmlns="" val="1"/>
+              <ma14:wrappingTextBoxFlag xmlns="" xmlns:ma14="http://schemas.microsoft.com/office/mac/drawingml/2011/main" val="1"/>
             </a:ext>
           </a:extLst>
         </p:spPr>
@@ -5212,65 +6779,16 @@
           <a:chExt cx="0" cy="0"/>
         </a:xfrm>
       </p:grpSpPr>
-      <p:sp>
-        <p:nvSpPr>
-          <p:cNvPr id="137" name="Большая картика"/>
-          <p:cNvSpPr txBox="1"/>
-          <p:nvPr/>
-        </p:nvSpPr>
-        <p:spPr>
-          <a:xfrm>
-            <a:off x="510438" y="1636773"/>
-            <a:ext cx="11753217" cy="841256"/>
-          </a:xfrm>
-          <a:prstGeom prst="rect">
-            <a:avLst/>
-          </a:prstGeom>
-          <a:ln w="12700">
-            <a:miter lim="400000"/>
-          </a:ln>
-          <a:extLst>
-            <a:ext uri="{C572A759-6A51-4108-AA02-DFA0A04FC94B}">
-              <ma14:wrappingTextBoxFlag xmlns:ma14="http://schemas.microsoft.com/office/mac/drawingml/2011/main" xmlns="" val="1"/>
-            </a:ext>
-          </a:extLst>
-        </p:spPr>
-        <p:txBody>
-          <a:bodyPr wrap="none" lIns="50800" tIns="50800" rIns="50800" bIns="50800" anchor="ctr">
-            <a:spAutoFit/>
-          </a:bodyPr>
-          <a:lstStyle>
-            <a:lvl1pPr algn="l">
-              <a:defRPr sz="4800" b="0">
-                <a:solidFill>
-                  <a:srgbClr val="35545C"/>
-                </a:solidFill>
-                <a:latin typeface="Roboto Bold"/>
-                <a:ea typeface="Roboto Bold"/>
-                <a:cs typeface="Roboto Bold"/>
-                <a:sym typeface="Roboto Bold"/>
-              </a:defRPr>
-            </a:lvl1pPr>
-          </a:lstStyle>
-          <a:p>
-            <a:r>
-              <a:rPr lang="ru-RU" dirty="0" smtClean="0"/>
-              <a:t>Задание – свойства и методы Женщина</a:t>
-            </a:r>
-            <a:endParaRPr dirty="0"/>
-          </a:p>
-        </p:txBody>
-      </p:sp>
       <p:pic>
         <p:nvPicPr>
-          <p:cNvPr id="138" name="0222.png" descr="0222.png"/>
+          <p:cNvPr id="166" name="0222.png" descr="0222.png"/>
           <p:cNvPicPr>
             <a:picLocks noChangeAspect="1"/>
           </p:cNvPicPr>
           <p:nvPr/>
         </p:nvPicPr>
         <p:blipFill>
-          <a:blip r:embed="rId2">
+          <a:blip r:embed="rId2" cstate="print">
             <a:extLst/>
           </a:blip>
           <a:stretch>
@@ -5292,7 +6810,7 @@
       </p:pic>
       <p:sp>
         <p:nvSpPr>
-          <p:cNvPr id="139" name="Линия"/>
+          <p:cNvPr id="167" name="Линия"/>
           <p:cNvSpPr/>
           <p:nvPr/>
         </p:nvSpPr>
@@ -5334,7 +6852,7 @@
       </p:sp>
       <p:sp>
         <p:nvSpPr>
-          <p:cNvPr id="140" name="Линия"/>
+          <p:cNvPr id="168" name="Линия"/>
           <p:cNvSpPr/>
           <p:nvPr/>
         </p:nvSpPr>
@@ -5376,14 +6894,14 @@
       </p:sp>
       <p:pic>
         <p:nvPicPr>
-          <p:cNvPr id="144" name="ooowl.png" descr="ooowl.png"/>
+          <p:cNvPr id="172" name="ooowl.png" descr="ooowl.png"/>
           <p:cNvPicPr>
             <a:picLocks noChangeAspect="1"/>
           </p:cNvPicPr>
           <p:nvPr/>
         </p:nvPicPr>
         <p:blipFill>
-          <a:blip r:embed="rId3">
+          <a:blip r:embed="rId3" cstate="print">
             <a:extLst/>
           </a:blip>
           <a:stretch>
@@ -5405,28 +6923,22 @@
       </p:pic>
       <p:pic>
         <p:nvPicPr>
-          <p:cNvPr id="2" name="Рисунок 1"/>
+          <p:cNvPr id="8" name="Рисунок 7" descr="3whales-oop.png"/>
           <p:cNvPicPr>
             <a:picLocks noChangeAspect="1"/>
           </p:cNvPicPr>
           <p:nvPr/>
         </p:nvPicPr>
         <p:blipFill>
-          <a:blip r:embed="rId4">
-            <a:extLst>
-              <a:ext uri="{28A0092B-C50C-407E-A947-70E740481C1C}">
-                <a14:useLocalDpi xmlns:a14="http://schemas.microsoft.com/office/drawing/2010/main" val="0"/>
-              </a:ext>
-            </a:extLst>
-          </a:blip>
+          <a:blip r:embed="rId4"/>
           <a:stretch>
             <a:fillRect/>
           </a:stretch>
         </p:blipFill>
         <p:spPr>
           <a:xfrm>
-            <a:off x="1101800" y="3220616"/>
-            <a:ext cx="10058400" cy="5263896"/>
+            <a:off x="930236" y="1019148"/>
+            <a:ext cx="10644262" cy="7629414"/>
           </a:xfrm>
           <a:prstGeom prst="rect">
             <a:avLst/>
@@ -5469,14 +6981,14 @@
       </p:grpSpPr>
       <p:sp>
         <p:nvSpPr>
-          <p:cNvPr id="155" name="Заголовок слайда"/>
+          <p:cNvPr id="137" name="Большая картика"/>
           <p:cNvSpPr txBox="1"/>
           <p:nvPr/>
         </p:nvSpPr>
         <p:spPr>
           <a:xfrm>
-            <a:off x="510438" y="1644650"/>
-            <a:ext cx="5331322" cy="825501"/>
+            <a:off x="510438" y="1636773"/>
+            <a:ext cx="11753217" cy="841256"/>
           </a:xfrm>
           <a:prstGeom prst="rect">
             <a:avLst/>
@@ -5486,7 +6998,7 @@
           </a:ln>
           <a:extLst>
             <a:ext uri="{C572A759-6A51-4108-AA02-DFA0A04FC94B}">
-              <ma14:wrappingTextBoxFlag xmlns:ma14="http://schemas.microsoft.com/office/mac/drawingml/2011/main" xmlns="" val="1"/>
+              <ma14:wrappingTextBoxFlag xmlns="" xmlns:ma14="http://schemas.microsoft.com/office/mac/drawingml/2011/main" val="1"/>
             </a:ext>
           </a:extLst>
         </p:spPr>
@@ -5509,21 +7021,23 @@
           </a:lstStyle>
           <a:p>
             <a:r>
-              <a:t>Заголовок слайда</a:t>
-            </a:r>
+              <a:rPr lang="ru-RU" dirty="0" smtClean="0"/>
+              <a:t>Задание – свойства и методы Женщина</a:t>
+            </a:r>
+            <a:endParaRPr dirty="0"/>
           </a:p>
         </p:txBody>
       </p:sp>
       <p:pic>
         <p:nvPicPr>
-          <p:cNvPr id="156" name="0222.png" descr="0222.png"/>
+          <p:cNvPr id="138" name="0222.png" descr="0222.png"/>
           <p:cNvPicPr>
             <a:picLocks noChangeAspect="1"/>
           </p:cNvPicPr>
           <p:nvPr/>
         </p:nvPicPr>
         <p:blipFill>
-          <a:blip r:embed="rId2">
+          <a:blip r:embed="rId2" cstate="print">
             <a:extLst/>
           </a:blip>
           <a:stretch>
@@ -5545,7 +7059,7 @@
       </p:pic>
       <p:sp>
         <p:nvSpPr>
-          <p:cNvPr id="157" name="Линия"/>
+          <p:cNvPr id="139" name="Линия"/>
           <p:cNvSpPr/>
           <p:nvPr/>
         </p:nvSpPr>
@@ -5587,279 +7101,7 @@
       </p:sp>
       <p:sp>
         <p:nvSpPr>
-          <p:cNvPr id="158" name="Наша миссия – делать обучение осмысленным, реализуя взаимосвязь между ожиданиям работодателей, компетенциями специалистов и возможностями преподавателей. Мы строим сервис, который будет помогать реализовываться десяткам тысяч людей и приносить пользу бизнесу наших партнеров."/>
-          <p:cNvSpPr txBox="1"/>
-          <p:nvPr/>
-        </p:nvSpPr>
-        <p:spPr>
-          <a:xfrm>
-            <a:off x="6010786" y="2656807"/>
-            <a:ext cx="6261567" cy="4841086"/>
-          </a:xfrm>
-          <a:prstGeom prst="rect">
-            <a:avLst/>
-          </a:prstGeom>
-          <a:ln w="12700">
-            <a:miter lim="400000"/>
-          </a:ln>
-          <a:extLst>
-            <a:ext uri="{C572A759-6A51-4108-AA02-DFA0A04FC94B}">
-              <ma14:wrappingTextBoxFlag xmlns:ma14="http://schemas.microsoft.com/office/mac/drawingml/2011/main" xmlns="" val="1"/>
-            </a:ext>
-          </a:extLst>
-        </p:spPr>
-        <p:txBody>
-          <a:bodyPr lIns="50800" tIns="50800" rIns="50800" bIns="50800" anchor="ctr">
-            <a:spAutoFit/>
-          </a:bodyPr>
-          <a:lstStyle>
-            <a:lvl1pPr algn="l" defTabSz="355600">
-              <a:defRPr sz="2800">
-                <a:solidFill>
-                  <a:srgbClr val="35545C"/>
-                </a:solidFill>
-              </a:defRPr>
-            </a:lvl1pPr>
-          </a:lstStyle>
-          <a:p>
-            <a:r>
-              <a:rPr dirty="0" err="1"/>
-              <a:t>Наша</a:t>
-            </a:r>
-            <a:r>
-              <a:rPr dirty="0"/>
-              <a:t> </a:t>
-            </a:r>
-            <a:r>
-              <a:rPr dirty="0" err="1"/>
-              <a:t>миссия</a:t>
-            </a:r>
-            <a:r>
-              <a:rPr dirty="0"/>
-              <a:t> – </a:t>
-            </a:r>
-            <a:r>
-              <a:rPr dirty="0" err="1"/>
-              <a:t>делать</a:t>
-            </a:r>
-            <a:r>
-              <a:rPr dirty="0"/>
-              <a:t> </a:t>
-            </a:r>
-            <a:r>
-              <a:rPr dirty="0" err="1"/>
-              <a:t>обучение</a:t>
-            </a:r>
-            <a:r>
-              <a:rPr dirty="0"/>
-              <a:t> </a:t>
-            </a:r>
-            <a:r>
-              <a:rPr dirty="0" err="1"/>
-              <a:t>осмысленным</a:t>
-            </a:r>
-            <a:r>
-              <a:rPr dirty="0"/>
-              <a:t>, </a:t>
-            </a:r>
-            <a:r>
-              <a:rPr dirty="0" err="1"/>
-              <a:t>реализуя</a:t>
-            </a:r>
-            <a:r>
-              <a:rPr dirty="0"/>
-              <a:t> </a:t>
-            </a:r>
-            <a:r>
-              <a:rPr dirty="0" err="1"/>
-              <a:t>взаимосвязь</a:t>
-            </a:r>
-            <a:r>
-              <a:rPr dirty="0"/>
-              <a:t> </a:t>
-            </a:r>
-            <a:r>
-              <a:rPr dirty="0" err="1"/>
-              <a:t>между</a:t>
-            </a:r>
-            <a:r>
-              <a:rPr dirty="0"/>
-              <a:t> </a:t>
-            </a:r>
-            <a:r>
-              <a:rPr dirty="0" err="1"/>
-              <a:t>ожиданиям</a:t>
-            </a:r>
-            <a:r>
-              <a:rPr dirty="0"/>
-              <a:t> </a:t>
-            </a:r>
-            <a:r>
-              <a:rPr dirty="0" err="1"/>
-              <a:t>работодателей</a:t>
-            </a:r>
-            <a:r>
-              <a:rPr dirty="0"/>
-              <a:t>, </a:t>
-            </a:r>
-            <a:r>
-              <a:rPr dirty="0" err="1"/>
-              <a:t>компетенциями</a:t>
-            </a:r>
-            <a:r>
-              <a:rPr dirty="0"/>
-              <a:t> </a:t>
-            </a:r>
-            <a:r>
-              <a:rPr dirty="0" err="1"/>
-              <a:t>специалистов</a:t>
-            </a:r>
-            <a:r>
-              <a:rPr dirty="0"/>
-              <a:t> и </a:t>
-            </a:r>
-            <a:r>
-              <a:rPr dirty="0" err="1"/>
-              <a:t>возможностями</a:t>
-            </a:r>
-            <a:r>
-              <a:rPr dirty="0"/>
-              <a:t> </a:t>
-            </a:r>
-            <a:r>
-              <a:rPr dirty="0" err="1"/>
-              <a:t>преподавателей</a:t>
-            </a:r>
-            <a:r>
-              <a:rPr dirty="0"/>
-              <a:t>. </a:t>
-            </a:r>
-            <a:r>
-              <a:rPr dirty="0" err="1"/>
-              <a:t>Мы</a:t>
-            </a:r>
-            <a:r>
-              <a:rPr dirty="0"/>
-              <a:t> </a:t>
-            </a:r>
-            <a:r>
-              <a:rPr dirty="0" err="1"/>
-              <a:t>строим</a:t>
-            </a:r>
-            <a:r>
-              <a:rPr dirty="0"/>
-              <a:t> </a:t>
-            </a:r>
-            <a:r>
-              <a:rPr dirty="0" err="1"/>
-              <a:t>сервис</a:t>
-            </a:r>
-            <a:r>
-              <a:rPr dirty="0"/>
-              <a:t>, </a:t>
-            </a:r>
-            <a:r>
-              <a:rPr dirty="0" err="1"/>
-              <a:t>который</a:t>
-            </a:r>
-            <a:r>
-              <a:rPr dirty="0"/>
-              <a:t> </a:t>
-            </a:r>
-            <a:r>
-              <a:rPr dirty="0" err="1"/>
-              <a:t>будет</a:t>
-            </a:r>
-            <a:r>
-              <a:rPr dirty="0"/>
-              <a:t> </a:t>
-            </a:r>
-            <a:r>
-              <a:rPr dirty="0" err="1"/>
-              <a:t>помогать</a:t>
-            </a:r>
-            <a:r>
-              <a:rPr dirty="0"/>
-              <a:t> </a:t>
-            </a:r>
-            <a:r>
-              <a:rPr dirty="0" err="1"/>
-              <a:t>реализовываться</a:t>
-            </a:r>
-            <a:r>
-              <a:rPr dirty="0"/>
-              <a:t> </a:t>
-            </a:r>
-            <a:r>
-              <a:rPr dirty="0" err="1"/>
-              <a:t>десяткам</a:t>
-            </a:r>
-            <a:r>
-              <a:rPr dirty="0"/>
-              <a:t> </a:t>
-            </a:r>
-            <a:r>
-              <a:rPr dirty="0" err="1"/>
-              <a:t>тысяч</a:t>
-            </a:r>
-            <a:r>
-              <a:rPr dirty="0"/>
-              <a:t> </a:t>
-            </a:r>
-            <a:r>
-              <a:rPr dirty="0" err="1"/>
-              <a:t>людей</a:t>
-            </a:r>
-            <a:r>
-              <a:rPr dirty="0"/>
-              <a:t> и </a:t>
-            </a:r>
-            <a:r>
-              <a:rPr dirty="0" err="1"/>
-              <a:t>приносить</a:t>
-            </a:r>
-            <a:r>
-              <a:rPr dirty="0"/>
-              <a:t> </a:t>
-            </a:r>
-            <a:r>
-              <a:rPr dirty="0" err="1"/>
-              <a:t>пользу</a:t>
-            </a:r>
-            <a:r>
-              <a:rPr dirty="0"/>
-              <a:t> </a:t>
-            </a:r>
-            <a:r>
-              <a:rPr dirty="0" err="1"/>
-              <a:t>бизнесу</a:t>
-            </a:r>
-            <a:r>
-              <a:rPr dirty="0"/>
-              <a:t> </a:t>
-            </a:r>
-            <a:r>
-              <a:rPr dirty="0" err="1"/>
-              <a:t>наших</a:t>
-            </a:r>
-            <a:r>
-              <a:rPr dirty="0"/>
-              <a:t> </a:t>
-            </a:r>
-            <a:r>
-              <a:rPr dirty="0" err="1"/>
-              <a:t>партнеров</a:t>
-            </a:r>
-            <a:r>
-              <a:rPr dirty="0"/>
-              <a:t>. </a:t>
-            </a:r>
-          </a:p>
-        </p:txBody>
-      </p:sp>
-      <p:sp>
-        <p:nvSpPr>
-          <p:cNvPr id="159" name="Линия"/>
+          <p:cNvPr id="140" name="Линия"/>
           <p:cNvSpPr/>
           <p:nvPr/>
         </p:nvSpPr>
@@ -5901,25 +7143,24 @@
       </p:sp>
       <p:pic>
         <p:nvPicPr>
-          <p:cNvPr id="162" name="pasted-image.tiff" descr="pasted-image.tiff"/>
+          <p:cNvPr id="144" name="ooowl.png" descr="ooowl.png"/>
           <p:cNvPicPr>
             <a:picLocks noChangeAspect="1"/>
           </p:cNvPicPr>
           <p:nvPr/>
         </p:nvPicPr>
         <p:blipFill>
-          <a:blip r:embed="rId3">
+          <a:blip r:embed="rId3" cstate="print">
             <a:extLst/>
           </a:blip>
-          <a:srcRect l="20449" t="7814" r="24820" b="1854"/>
           <a:stretch>
             <a:fillRect/>
           </a:stretch>
         </p:blipFill>
         <p:spPr>
           <a:xfrm>
-            <a:off x="629475" y="2654300"/>
-            <a:ext cx="5000612" cy="5505450"/>
+            <a:off x="11695485" y="8912538"/>
+            <a:ext cx="866859" cy="825347"/>
           </a:xfrm>
           <a:prstGeom prst="rect">
             <a:avLst/>
@@ -5931,7 +7172,7 @@
       </p:pic>
       <p:pic>
         <p:nvPicPr>
-          <p:cNvPr id="163" name="ooowl.png" descr="ooowl.png"/>
+          <p:cNvPr id="2" name="Рисунок 1"/>
           <p:cNvPicPr>
             <a:picLocks noChangeAspect="1"/>
           </p:cNvPicPr>
@@ -5939,7 +7180,11 @@
         </p:nvPicPr>
         <p:blipFill>
           <a:blip r:embed="rId4">
-            <a:extLst/>
+            <a:extLst>
+              <a:ext uri="{28A0092B-C50C-407E-A947-70E740481C1C}">
+                <a14:useLocalDpi xmlns:a14="http://schemas.microsoft.com/office/drawing/2010/main" xmlns="" val="0"/>
+              </a:ext>
+            </a:extLst>
           </a:blip>
           <a:stretch>
             <a:fillRect/>
@@ -5947,23 +7192,15 @@
         </p:blipFill>
         <p:spPr>
           <a:xfrm>
-            <a:off x="11695485" y="8912538"/>
-            <a:ext cx="866859" cy="825347"/>
-          </a:xfrm>
-          <a:prstGeom prst="rect">
-            <a:avLst/>
-          </a:prstGeom>
-          <a:ln w="12700">
-            <a:miter lim="400000"/>
-          </a:ln>
+            <a:off x="1101800" y="3220616"/>
+            <a:ext cx="10058400" cy="5263896"/>
+          </a:xfrm>
+          <a:prstGeom prst="rect">
+            <a:avLst/>
+          </a:prstGeom>
         </p:spPr>
       </p:pic>
     </p:spTree>
-    <p:extLst>
-      <p:ext uri="{BB962C8B-B14F-4D97-AF65-F5344CB8AC3E}">
-        <p14:creationId xmlns:p14="http://schemas.microsoft.com/office/powerpoint/2010/main" val="481187965"/>
-      </p:ext>
-    </p:extLst>
   </p:cSld>
   <p:clrMapOvr>
     <a:masterClrMapping/>
@@ -5999,14 +7236,14 @@
       </p:grpSpPr>
       <p:sp>
         <p:nvSpPr>
-          <p:cNvPr id="165" name="Ненумерованный списочек"/>
+          <p:cNvPr id="155" name="Заголовок слайда"/>
           <p:cNvSpPr txBox="1"/>
           <p:nvPr/>
         </p:nvSpPr>
         <p:spPr>
           <a:xfrm>
             <a:off x="510438" y="1644650"/>
-            <a:ext cx="8055174" cy="825501"/>
+            <a:ext cx="5333191" cy="841256"/>
           </a:xfrm>
           <a:prstGeom prst="rect">
             <a:avLst/>
@@ -6016,7 +7253,7 @@
           </a:ln>
           <a:extLst>
             <a:ext uri="{C572A759-6A51-4108-AA02-DFA0A04FC94B}">
-              <ma14:wrappingTextBoxFlag xmlns:ma14="http://schemas.microsoft.com/office/mac/drawingml/2011/main" xmlns="" val="1"/>
+              <ma14:wrappingTextBoxFlag xmlns="" xmlns:ma14="http://schemas.microsoft.com/office/mac/drawingml/2011/main" val="1"/>
             </a:ext>
           </a:extLst>
         </p:spPr>
@@ -6039,21 +7276,23 @@
           </a:lstStyle>
           <a:p>
             <a:r>
-              <a:t>Ненумерованный списочек</a:t>
-            </a:r>
+              <a:rPr lang="ru-RU" dirty="0" smtClean="0"/>
+              <a:t>класс «Женщина»</a:t>
+            </a:r>
+            <a:endParaRPr/>
           </a:p>
         </p:txBody>
       </p:sp>
       <p:pic>
         <p:nvPicPr>
-          <p:cNvPr id="166" name="0222.png" descr="0222.png"/>
+          <p:cNvPr id="156" name="0222.png" descr="0222.png"/>
           <p:cNvPicPr>
             <a:picLocks noChangeAspect="1"/>
           </p:cNvPicPr>
           <p:nvPr/>
         </p:nvPicPr>
         <p:blipFill>
-          <a:blip r:embed="rId2">
+          <a:blip r:embed="rId2" cstate="print">
             <a:extLst/>
           </a:blip>
           <a:stretch>
@@ -6075,7 +7314,7 @@
       </p:pic>
       <p:sp>
         <p:nvSpPr>
-          <p:cNvPr id="167" name="Линия"/>
+          <p:cNvPr id="157" name="Линия"/>
           <p:cNvSpPr/>
           <p:nvPr/>
         </p:nvSpPr>
@@ -6117,7 +7356,202 @@
       </p:sp>
       <p:sp>
         <p:nvSpPr>
-          <p:cNvPr id="168" name="Линия"/>
+          <p:cNvPr id="158" name="Наша миссия – делать обучение осмысленным, реализуя взаимосвязь между ожиданиям работодателей, компетенциями специалистов и возможностями преподавателей. Мы строим сервис, который будет помогать реализовываться десяткам тысяч людей и приносить пользу бизнесу наших партнеров."/>
+          <p:cNvSpPr txBox="1"/>
+          <p:nvPr/>
+        </p:nvSpPr>
+        <p:spPr>
+          <a:xfrm>
+            <a:off x="6010786" y="2656807"/>
+            <a:ext cx="6261567" cy="6350456"/>
+          </a:xfrm>
+          <a:prstGeom prst="rect">
+            <a:avLst/>
+          </a:prstGeom>
+          <a:ln w="12700">
+            <a:miter lim="400000"/>
+          </a:ln>
+          <a:extLst>
+            <a:ext uri="{C572A759-6A51-4108-AA02-DFA0A04FC94B}">
+              <ma14:wrappingTextBoxFlag xmlns="" xmlns:ma14="http://schemas.microsoft.com/office/mac/drawingml/2011/main" val="1"/>
+            </a:ext>
+          </a:extLst>
+        </p:spPr>
+        <p:txBody>
+          <a:bodyPr lIns="50800" tIns="50800" rIns="50800" bIns="50800" anchor="ctr">
+            <a:spAutoFit/>
+          </a:bodyPr>
+          <a:lstStyle>
+            <a:lvl1pPr algn="l" defTabSz="355600">
+              <a:defRPr sz="2800">
+                <a:solidFill>
+                  <a:srgbClr val="35545C"/>
+                </a:solidFill>
+              </a:defRPr>
+            </a:lvl1pPr>
+          </a:lstStyle>
+          <a:p>
+            <a:pPr marL="388937" indent="-388937">
+              <a:lnSpc>
+                <a:spcPct val="150000"/>
+              </a:lnSpc>
+              <a:buSzPct val="145000"/>
+              <a:buChar char="•"/>
+              <a:defRPr sz="2800">
+                <a:solidFill>
+                  <a:srgbClr val="35545C"/>
+                </a:solidFill>
+              </a:defRPr>
+            </a:pPr>
+            <a:r>
+              <a:rPr lang="ru-RU" dirty="0" smtClean="0"/>
+              <a:t>Класс Женщина наследуется от базового класса «Человек»</a:t>
+            </a:r>
+          </a:p>
+          <a:p>
+            <a:pPr marL="388937" indent="-388937">
+              <a:lnSpc>
+                <a:spcPct val="150000"/>
+              </a:lnSpc>
+              <a:buSzPct val="145000"/>
+              <a:buChar char="•"/>
+              <a:defRPr sz="2800">
+                <a:solidFill>
+                  <a:srgbClr val="35545C"/>
+                </a:solidFill>
+              </a:defRPr>
+            </a:pPr>
+            <a:r>
+              <a:rPr lang="ru-RU" dirty="0" smtClean="0"/>
+              <a:t>Новые параметры: </a:t>
+            </a:r>
+          </a:p>
+          <a:p>
+            <a:pPr marL="514350" indent="-514350">
+              <a:lnSpc>
+                <a:spcPct val="150000"/>
+              </a:lnSpc>
+              <a:buSzPct val="145000"/>
+              <a:buAutoNum type="arabicParenR"/>
+              <a:defRPr sz="2800">
+                <a:solidFill>
+                  <a:srgbClr val="35545C"/>
+                </a:solidFill>
+              </a:defRPr>
+            </a:pPr>
+            <a:r>
+              <a:rPr lang="ru-RU" dirty="0" smtClean="0"/>
+              <a:t>прическа</a:t>
+            </a:r>
+          </a:p>
+          <a:p>
+            <a:pPr marL="514350" indent="-514350">
+              <a:lnSpc>
+                <a:spcPct val="150000"/>
+              </a:lnSpc>
+              <a:buSzPct val="145000"/>
+              <a:buAutoNum type="arabicParenR"/>
+              <a:defRPr sz="2800">
+                <a:solidFill>
+                  <a:srgbClr val="35545C"/>
+                </a:solidFill>
+              </a:defRPr>
+            </a:pPr>
+            <a:r>
+              <a:rPr lang="ru-RU" dirty="0" smtClean="0"/>
+              <a:t>наряд</a:t>
+            </a:r>
+            <a:endParaRPr lang="ru-RU" dirty="0" smtClean="0"/>
+          </a:p>
+          <a:p>
+            <a:pPr marL="388937" indent="-388937">
+              <a:lnSpc>
+                <a:spcPct val="150000"/>
+              </a:lnSpc>
+              <a:buSzPct val="145000"/>
+              <a:buChar char="•"/>
+              <a:defRPr sz="2800">
+                <a:solidFill>
+                  <a:srgbClr val="35545C"/>
+                </a:solidFill>
+              </a:defRPr>
+            </a:pPr>
+            <a:r>
+              <a:rPr lang="ru-RU" dirty="0" smtClean="0"/>
+              <a:t>Методы</a:t>
+            </a:r>
+          </a:p>
+          <a:p>
+            <a:pPr marL="514350" indent="-514350">
+              <a:lnSpc>
+                <a:spcPct val="150000"/>
+              </a:lnSpc>
+              <a:buSzPct val="145000"/>
+              <a:buAutoNum type="arabicParenR"/>
+              <a:defRPr sz="2800">
+                <a:solidFill>
+                  <a:srgbClr val="35545C"/>
+                </a:solidFill>
+              </a:defRPr>
+            </a:pPr>
+            <a:r>
+              <a:rPr lang="ru-RU" dirty="0" smtClean="0"/>
+              <a:t>Возраст (</a:t>
+            </a:r>
+            <a:r>
+              <a:rPr lang="ru-RU" dirty="0" err="1" smtClean="0"/>
+              <a:t>переопред</a:t>
+            </a:r>
+            <a:r>
+              <a:rPr lang="ru-RU" dirty="0" smtClean="0"/>
+              <a:t>)</a:t>
+            </a:r>
+          </a:p>
+          <a:p>
+            <a:pPr marL="514350" indent="-514350">
+              <a:lnSpc>
+                <a:spcPct val="150000"/>
+              </a:lnSpc>
+              <a:buSzPct val="145000"/>
+              <a:buAutoNum type="arabicParenR"/>
+              <a:defRPr sz="2800">
+                <a:solidFill>
+                  <a:srgbClr val="35545C"/>
+                </a:solidFill>
+              </a:defRPr>
+            </a:pPr>
+            <a:r>
+              <a:rPr lang="ru-RU" dirty="0" smtClean="0"/>
+              <a:t>Мой вид (новый)</a:t>
+            </a:r>
+          </a:p>
+          <a:p>
+            <a:pPr marL="514350" indent="-514350">
+              <a:lnSpc>
+                <a:spcPct val="150000"/>
+              </a:lnSpc>
+              <a:buSzPct val="145000"/>
+              <a:buAutoNum type="arabicParenR"/>
+              <a:defRPr sz="2800">
+                <a:solidFill>
+                  <a:srgbClr val="35545C"/>
+                </a:solidFill>
+              </a:defRPr>
+            </a:pPr>
+            <a:endParaRPr lang="ru-RU" dirty="0" smtClean="0"/>
+          </a:p>
+          <a:p>
+            <a:r>
+              <a:rPr smtClean="0"/>
+              <a:t> </a:t>
+            </a:r>
+            <a:endParaRPr dirty="0"/>
+          </a:p>
+        </p:txBody>
+      </p:sp>
+      <p:sp>
+        <p:nvSpPr>
+          <p:cNvPr id="159" name="Линия"/>
           <p:cNvSpPr/>
           <p:nvPr/>
         </p:nvSpPr>
@@ -6157,131 +7591,16 @@
           </a:p>
         </p:txBody>
       </p:sp>
-      <p:sp>
-        <p:nvSpPr>
-          <p:cNvPr id="171" name="Пункт списка…"/>
-          <p:cNvSpPr txBox="1"/>
-          <p:nvPr/>
-        </p:nvSpPr>
-        <p:spPr>
-          <a:xfrm>
-            <a:off x="496950" y="2856501"/>
-            <a:ext cx="4592283" cy="3735798"/>
-          </a:xfrm>
-          <a:prstGeom prst="rect">
-            <a:avLst/>
-          </a:prstGeom>
-          <a:ln w="12700">
-            <a:miter lim="400000"/>
-          </a:ln>
-          <a:extLst>
-            <a:ext uri="{C572A759-6A51-4108-AA02-DFA0A04FC94B}">
-              <ma14:wrappingTextBoxFlag xmlns:ma14="http://schemas.microsoft.com/office/mac/drawingml/2011/main" xmlns="" val="1"/>
-            </a:ext>
-          </a:extLst>
-        </p:spPr>
-        <p:txBody>
-          <a:bodyPr wrap="none" lIns="50800" tIns="50800" rIns="50800" bIns="50800" anchor="ctr">
-            <a:spAutoFit/>
-          </a:bodyPr>
-          <a:lstStyle/>
-          <a:p>
-            <a:pPr marL="388937" indent="-388937" algn="l">
-              <a:lnSpc>
-                <a:spcPct val="150000"/>
-              </a:lnSpc>
-              <a:buSzPct val="145000"/>
-              <a:buChar char="•"/>
-              <a:defRPr sz="2800">
-                <a:solidFill>
-                  <a:srgbClr val="35545C"/>
-                </a:solidFill>
-              </a:defRPr>
-            </a:pPr>
-            <a:r>
-              <a:t>Пункт списка</a:t>
-            </a:r>
-          </a:p>
-          <a:p>
-            <a:pPr marL="388937" indent="-388937" algn="l">
-              <a:lnSpc>
-                <a:spcPct val="150000"/>
-              </a:lnSpc>
-              <a:buSzPct val="145000"/>
-              <a:buChar char="•"/>
-              <a:defRPr sz="2800">
-                <a:solidFill>
-                  <a:srgbClr val="35545C"/>
-                </a:solidFill>
-              </a:defRPr>
-            </a:pPr>
-            <a:r>
-              <a:t>Еще один пункт</a:t>
-            </a:r>
-          </a:p>
-          <a:p>
-            <a:pPr marL="388937" indent="-388937" algn="l">
-              <a:lnSpc>
-                <a:spcPct val="150000"/>
-              </a:lnSpc>
-              <a:buSzPct val="145000"/>
-              <a:buChar char="•"/>
-              <a:defRPr sz="2800">
-                <a:solidFill>
-                  <a:srgbClr val="35545C"/>
-                </a:solidFill>
-              </a:defRPr>
-            </a:pPr>
-            <a:r>
-              <a:t>Может хватит пунктов</a:t>
-            </a:r>
-          </a:p>
-          <a:p>
-            <a:pPr marL="388937" indent="-388937" algn="l">
-              <a:lnSpc>
-                <a:spcPct val="150000"/>
-              </a:lnSpc>
-              <a:buSzPct val="145000"/>
-              <a:buChar char="•"/>
-              <a:defRPr sz="2800">
-                <a:solidFill>
-                  <a:srgbClr val="35545C"/>
-                </a:solidFill>
-              </a:defRPr>
-            </a:pPr>
-            <a:r>
-              <a:t>Нет, еще один</a:t>
-            </a:r>
-          </a:p>
-          <a:p>
-            <a:pPr marL="388937" indent="-388937" algn="l">
-              <a:lnSpc>
-                <a:spcPct val="150000"/>
-              </a:lnSpc>
-              <a:buSzPct val="145000"/>
-              <a:buChar char="•"/>
-              <a:defRPr sz="2800">
-                <a:solidFill>
-                  <a:srgbClr val="35545C"/>
-                </a:solidFill>
-              </a:defRPr>
-            </a:pPr>
-            <a:r>
-              <a:t>И еще!</a:t>
-            </a:r>
-          </a:p>
-        </p:txBody>
-      </p:sp>
       <p:pic>
         <p:nvPicPr>
-          <p:cNvPr id="172" name="ooowl.png" descr="ooowl.png"/>
+          <p:cNvPr id="163" name="ooowl.png" descr="ooowl.png"/>
           <p:cNvPicPr>
             <a:picLocks noChangeAspect="1"/>
           </p:cNvPicPr>
           <p:nvPr/>
         </p:nvPicPr>
         <p:blipFill>
-          <a:blip r:embed="rId3">
+          <a:blip r:embed="rId3" cstate="print">
             <a:extLst/>
           </a:blip>
           <a:stretch>
@@ -6301,7 +7620,36 @@
           </a:ln>
         </p:spPr>
       </p:pic>
+      <p:pic>
+        <p:nvPicPr>
+          <p:cNvPr id="11" name="Рисунок 10" descr="content_balzakovskiy_vozrast2_1__econet_ru.jpg"/>
+          <p:cNvPicPr>
+            <a:picLocks noChangeAspect="1"/>
+          </p:cNvPicPr>
+          <p:nvPr/>
+        </p:nvPicPr>
+        <p:blipFill>
+          <a:blip r:embed="rId4"/>
+          <a:stretch>
+            <a:fillRect/>
+          </a:stretch>
+        </p:blipFill>
+        <p:spPr>
+          <a:xfrm>
+            <a:off x="644484" y="2519346"/>
+            <a:ext cx="4240449" cy="6086922"/>
+          </a:xfrm>
+          <a:prstGeom prst="rect">
+            <a:avLst/>
+          </a:prstGeom>
+        </p:spPr>
+      </p:pic>
     </p:spTree>
+    <p:extLst>
+      <p:ext uri="{BB962C8B-B14F-4D97-AF65-F5344CB8AC3E}">
+        <p14:creationId xmlns:p14="http://schemas.microsoft.com/office/powerpoint/2010/main" xmlns="" val="481187965"/>
+      </p:ext>
+    </p:extLst>
   </p:cSld>
   <p:clrMapOvr>
     <a:masterClrMapping/>

--- a/презентация 2.pptx
+++ b/презентация 2.pptx
@@ -405,7 +405,7 @@
     </p:spTree>
     <p:extLst>
       <p:ext uri="{BB962C8B-B14F-4D97-AF65-F5344CB8AC3E}">
-        <p14:creationId xmlns:p14="http://schemas.microsoft.com/office/powerpoint/2010/main" xmlns="" val="2078888054"/>
+        <p14:creationId xmlns="" xmlns:p14="http://schemas.microsoft.com/office/powerpoint/2010/main" val="2078888054"/>
       </p:ext>
     </p:extLst>
   </p:cSld>
@@ -565,7 +565,7 @@
     </p:spTree>
     <p:extLst>
       <p:ext uri="{BB962C8B-B14F-4D97-AF65-F5344CB8AC3E}">
-        <p14:creationId xmlns:p14="http://schemas.microsoft.com/office/powerpoint/2010/main" xmlns="" val="472266463"/>
+        <p14:creationId xmlns="" xmlns:p14="http://schemas.microsoft.com/office/powerpoint/2010/main" val="472266463"/>
       </p:ext>
     </p:extLst>
   </p:cSld>
@@ -2244,7 +2244,7 @@
           </a:ln>
           <a:extLst>
             <a:ext uri="{C572A759-6A51-4108-AA02-DFA0A04FC94B}">
-              <ma14:wrappingTextBoxFlag xmlns="" xmlns:ma14="http://schemas.microsoft.com/office/mac/drawingml/2011/main" val="1"/>
+              <ma14:wrappingTextBoxFlag xmlns:ma14="http://schemas.microsoft.com/office/mac/drawingml/2011/main" xmlns="" val="1"/>
             </a:ext>
           </a:extLst>
         </p:spPr>
@@ -2283,7 +2283,7 @@
           </a:ln>
           <a:extLst>
             <a:ext uri="{C572A759-6A51-4108-AA02-DFA0A04FC94B}">
-              <ma14:wrappingTextBoxFlag xmlns="" xmlns:ma14="http://schemas.microsoft.com/office/mac/drawingml/2011/main" val="1"/>
+              <ma14:wrappingTextBoxFlag xmlns:ma14="http://schemas.microsoft.com/office/mac/drawingml/2011/main" xmlns="" val="1"/>
             </a:ext>
           </a:extLst>
         </p:spPr>
@@ -3288,7 +3288,7 @@
           </a:ln>
           <a:extLst>
             <a:ext uri="{C572A759-6A51-4108-AA02-DFA0A04FC94B}">
-              <ma14:wrappingTextBoxFlag xmlns="" xmlns:ma14="http://schemas.microsoft.com/office/mac/drawingml/2011/main" val="1"/>
+              <ma14:wrappingTextBoxFlag xmlns:ma14="http://schemas.microsoft.com/office/mac/drawingml/2011/main" xmlns="" val="1"/>
             </a:ext>
           </a:extLst>
         </p:spPr>
@@ -3408,7 +3408,7 @@
           </a:ln>
           <a:extLst>
             <a:ext uri="{C572A759-6A51-4108-AA02-DFA0A04FC94B}">
-              <ma14:wrappingTextBoxFlag xmlns="" xmlns:ma14="http://schemas.microsoft.com/office/mac/drawingml/2011/main" val="1"/>
+              <ma14:wrappingTextBoxFlag xmlns:ma14="http://schemas.microsoft.com/office/mac/drawingml/2011/main" xmlns="" val="1"/>
             </a:ext>
           </a:extLst>
         </p:spPr>
@@ -3460,7 +3460,6 @@
               <a:rPr lang="ru-RU" dirty="0" smtClean="0"/>
               <a:t>2-3 параметра мужчины, которые будут его свойствами (отличающимися от параметров исходного класса)</a:t>
             </a:r>
-            <a:endParaRPr lang="ru-RU" dirty="0" smtClean="0"/>
           </a:p>
           <a:p>
             <a:pPr marL="388937" indent="-388937">
@@ -3479,7 +3478,6 @@
               <a:rPr lang="ru-RU" dirty="0" smtClean="0"/>
               <a:t>1-2 переопределенных метода</a:t>
             </a:r>
-            <a:endParaRPr lang="ru-RU" dirty="0" smtClean="0"/>
           </a:p>
           <a:p>
             <a:r>
@@ -3588,7 +3586,7 @@
     </p:spTree>
     <p:extLst>
       <p:ext uri="{BB962C8B-B14F-4D97-AF65-F5344CB8AC3E}">
-        <p14:creationId xmlns:p14="http://schemas.microsoft.com/office/powerpoint/2010/main" xmlns="" val="481187965"/>
+        <p14:creationId xmlns="" xmlns:p14="http://schemas.microsoft.com/office/powerpoint/2010/main" val="481187965"/>
       </p:ext>
     </p:extLst>
   </p:cSld>
@@ -3643,7 +3641,7 @@
           </a:ln>
           <a:extLst>
             <a:ext uri="{C572A759-6A51-4108-AA02-DFA0A04FC94B}">
-              <ma14:wrappingTextBoxFlag xmlns="" xmlns:ma14="http://schemas.microsoft.com/office/mac/drawingml/2011/main" val="1"/>
+              <ma14:wrappingTextBoxFlag xmlns:ma14="http://schemas.microsoft.com/office/mac/drawingml/2011/main" xmlns="" val="1"/>
             </a:ext>
           </a:extLst>
         </p:spPr>
@@ -3771,7 +3769,7 @@
           </a:ln>
           <a:extLst>
             <a:ext uri="{C572A759-6A51-4108-AA02-DFA0A04FC94B}">
-              <ma14:wrappingTextBoxFlag xmlns="" xmlns:ma14="http://schemas.microsoft.com/office/mac/drawingml/2011/main" val="1"/>
+              <ma14:wrappingTextBoxFlag xmlns:ma14="http://schemas.microsoft.com/office/mac/drawingml/2011/main" xmlns="" val="1"/>
             </a:ext>
           </a:extLst>
         </p:spPr>
@@ -3839,7 +3837,6 @@
               <a:rPr lang="ru-RU" dirty="0" smtClean="0"/>
               <a:t>, которые будут его свойствами (отличающимися от параметров исходного класса)</a:t>
             </a:r>
-            <a:endParaRPr lang="ru-RU" dirty="0" smtClean="0"/>
           </a:p>
           <a:p>
             <a:pPr marL="388937" indent="-388937">
@@ -3858,7 +3855,6 @@
               <a:rPr lang="ru-RU" dirty="0" smtClean="0"/>
               <a:t>1-2 переопределенных метода</a:t>
             </a:r>
-            <a:endParaRPr lang="ru-RU" dirty="0" smtClean="0"/>
           </a:p>
           <a:p>
             <a:r>
@@ -3967,7 +3963,7 @@
     </p:spTree>
     <p:extLst>
       <p:ext uri="{BB962C8B-B14F-4D97-AF65-F5344CB8AC3E}">
-        <p14:creationId xmlns:p14="http://schemas.microsoft.com/office/powerpoint/2010/main" xmlns="" val="481187965"/>
+        <p14:creationId xmlns="" xmlns:p14="http://schemas.microsoft.com/office/powerpoint/2010/main" val="481187965"/>
       </p:ext>
     </p:extLst>
   </p:cSld>
@@ -4022,7 +4018,7 @@
           </a:ln>
           <a:extLst>
             <a:ext uri="{C572A759-6A51-4108-AA02-DFA0A04FC94B}">
-              <ma14:wrappingTextBoxFlag xmlns="" xmlns:ma14="http://schemas.microsoft.com/office/mac/drawingml/2011/main" val="1"/>
+              <ma14:wrappingTextBoxFlag xmlns:ma14="http://schemas.microsoft.com/office/mac/drawingml/2011/main" xmlns="" val="1"/>
             </a:ext>
           </a:extLst>
         </p:spPr>
@@ -4148,7 +4144,7 @@
           </a:ln>
           <a:extLst>
             <a:ext uri="{C572A759-6A51-4108-AA02-DFA0A04FC94B}">
-              <ma14:wrappingTextBoxFlag xmlns="" xmlns:ma14="http://schemas.microsoft.com/office/mac/drawingml/2011/main" val="1"/>
+              <ma14:wrappingTextBoxFlag xmlns:ma14="http://schemas.microsoft.com/office/mac/drawingml/2011/main" xmlns="" val="1"/>
             </a:ext>
           </a:extLst>
         </p:spPr>
@@ -4200,7 +4196,6 @@
               <a:rPr lang="ru-RU" dirty="0" smtClean="0"/>
               <a:t>2-3 параметра каждому классу, которые будут его свойствами (отличающимися от параметров исходного класса)</a:t>
             </a:r>
-            <a:endParaRPr lang="ru-RU" dirty="0" smtClean="0"/>
           </a:p>
           <a:p>
             <a:pPr marL="388937" indent="-388937">
@@ -4219,7 +4214,6 @@
               <a:rPr lang="ru-RU" dirty="0" smtClean="0"/>
               <a:t>1-2 переопределенных метода</a:t>
             </a:r>
-            <a:endParaRPr lang="ru-RU" dirty="0" smtClean="0"/>
           </a:p>
           <a:p>
             <a:r>
@@ -4328,7 +4322,7 @@
     </p:spTree>
     <p:extLst>
       <p:ext uri="{BB962C8B-B14F-4D97-AF65-F5344CB8AC3E}">
-        <p14:creationId xmlns:p14="http://schemas.microsoft.com/office/powerpoint/2010/main" xmlns="" val="481187965"/>
+        <p14:creationId xmlns="" xmlns:p14="http://schemas.microsoft.com/office/powerpoint/2010/main" val="481187965"/>
       </p:ext>
     </p:extLst>
   </p:cSld>
@@ -4383,7 +4377,7 @@
           </a:ln>
           <a:extLst>
             <a:ext uri="{C572A759-6A51-4108-AA02-DFA0A04FC94B}">
-              <ma14:wrappingTextBoxFlag xmlns="" xmlns:ma14="http://schemas.microsoft.com/office/mac/drawingml/2011/main" val="1"/>
+              <ma14:wrappingTextBoxFlag xmlns:ma14="http://schemas.microsoft.com/office/mac/drawingml/2011/main" xmlns="" val="1"/>
             </a:ext>
           </a:extLst>
         </p:spPr>
@@ -4545,7 +4539,7 @@
           </a:ln>
           <a:extLst>
             <a:ext uri="{C572A759-6A51-4108-AA02-DFA0A04FC94B}">
-              <ma14:wrappingTextBoxFlag xmlns="" xmlns:ma14="http://schemas.microsoft.com/office/mac/drawingml/2011/main" val="1"/>
+              <ma14:wrappingTextBoxFlag xmlns:ma14="http://schemas.microsoft.com/office/mac/drawingml/2011/main" xmlns="" val="1"/>
             </a:ext>
           </a:extLst>
         </p:spPr>
@@ -4766,7 +4760,7 @@
           </a:ln>
           <a:extLst>
             <a:ext uri="{C572A759-6A51-4108-AA02-DFA0A04FC94B}">
-              <ma14:wrappingTextBoxFlag xmlns="" xmlns:ma14="http://schemas.microsoft.com/office/mac/drawingml/2011/main" val="1"/>
+              <ma14:wrappingTextBoxFlag xmlns:ma14="http://schemas.microsoft.com/office/mac/drawingml/2011/main" xmlns="" val="1"/>
             </a:ext>
           </a:extLst>
         </p:spPr>
@@ -4920,7 +4914,7 @@
           </a:ln>
           <a:extLst>
             <a:ext uri="{C572A759-6A51-4108-AA02-DFA0A04FC94B}">
-              <ma14:wrappingTextBoxFlag xmlns="" xmlns:ma14="http://schemas.microsoft.com/office/mac/drawingml/2011/main" val="1"/>
+              <ma14:wrappingTextBoxFlag xmlns:ma14="http://schemas.microsoft.com/office/mac/drawingml/2011/main" xmlns="" val="1"/>
             </a:ext>
           </a:extLst>
         </p:spPr>
@@ -4998,7 +4992,7 @@
           </a:ln>
           <a:extLst>
             <a:ext uri="{C572A759-6A51-4108-AA02-DFA0A04FC94B}">
-              <ma14:wrappingTextBoxFlag xmlns="" xmlns:ma14="http://schemas.microsoft.com/office/mac/drawingml/2011/main" val="1"/>
+              <ma14:wrappingTextBoxFlag xmlns:ma14="http://schemas.microsoft.com/office/mac/drawingml/2011/main" xmlns="" val="1"/>
             </a:ext>
           </a:extLst>
         </p:spPr>
@@ -5055,7 +5049,7 @@
           </a:ln>
           <a:extLst>
             <a:ext uri="{C572A759-6A51-4108-AA02-DFA0A04FC94B}">
-              <ma14:wrappingTextBoxFlag xmlns="" xmlns:ma14="http://schemas.microsoft.com/office/mac/drawingml/2011/main" val="1"/>
+              <ma14:wrappingTextBoxFlag xmlns:ma14="http://schemas.microsoft.com/office/mac/drawingml/2011/main" xmlns="" val="1"/>
             </a:ext>
           </a:extLst>
         </p:spPr>
@@ -5226,7 +5220,7 @@
           </a:ln>
           <a:extLst>
             <a:ext uri="{C572A759-6A51-4108-AA02-DFA0A04FC94B}">
-              <ma14:wrappingTextBoxFlag xmlns="" xmlns:ma14="http://schemas.microsoft.com/office/mac/drawingml/2011/main" val="1"/>
+              <ma14:wrappingTextBoxFlag xmlns:ma14="http://schemas.microsoft.com/office/mac/drawingml/2011/main" xmlns="" val="1"/>
             </a:ext>
           </a:extLst>
         </p:spPr>
@@ -5346,7 +5340,7 @@
           </a:ln>
           <a:extLst>
             <a:ext uri="{C572A759-6A51-4108-AA02-DFA0A04FC94B}">
-              <ma14:wrappingTextBoxFlag xmlns="" xmlns:ma14="http://schemas.microsoft.com/office/mac/drawingml/2011/main" val="1"/>
+              <ma14:wrappingTextBoxFlag xmlns:ma14="http://schemas.microsoft.com/office/mac/drawingml/2011/main" xmlns="" val="1"/>
             </a:ext>
           </a:extLst>
         </p:spPr>
@@ -5644,7 +5638,7 @@
           </a:ln>
           <a:extLst>
             <a:ext uri="{C572A759-6A51-4108-AA02-DFA0A04FC94B}">
-              <ma14:wrappingTextBoxFlag xmlns="" xmlns:ma14="http://schemas.microsoft.com/office/mac/drawingml/2011/main" val="1"/>
+              <ma14:wrappingTextBoxFlag xmlns:ma14="http://schemas.microsoft.com/office/mac/drawingml/2011/main" xmlns="" val="1"/>
             </a:ext>
           </a:extLst>
         </p:spPr>
@@ -5764,7 +5758,7 @@
           </a:ln>
           <a:extLst>
             <a:ext uri="{C572A759-6A51-4108-AA02-DFA0A04FC94B}">
-              <ma14:wrappingTextBoxFlag xmlns="" xmlns:ma14="http://schemas.microsoft.com/office/mac/drawingml/2011/main" val="1"/>
+              <ma14:wrappingTextBoxFlag xmlns:ma14="http://schemas.microsoft.com/office/mac/drawingml/2011/main" xmlns="" val="1"/>
             </a:ext>
           </a:extLst>
         </p:spPr>
@@ -5905,7 +5899,7 @@
           </a:ln>
           <a:extLst>
             <a:ext uri="{C572A759-6A51-4108-AA02-DFA0A04FC94B}">
-              <ma14:wrappingTextBoxFlag xmlns="" xmlns:ma14="http://schemas.microsoft.com/office/mac/drawingml/2011/main" val="1"/>
+              <ma14:wrappingTextBoxFlag xmlns:ma14="http://schemas.microsoft.com/office/mac/drawingml/2011/main" xmlns="" val="1"/>
             </a:ext>
           </a:extLst>
         </p:spPr>
@@ -5954,7 +5948,7 @@
           </a:ln>
           <a:extLst>
             <a:ext uri="{C572A759-6A51-4108-AA02-DFA0A04FC94B}">
-              <ma14:wrappingTextBoxFlag xmlns="" xmlns:ma14="http://schemas.microsoft.com/office/mac/drawingml/2011/main" val="1"/>
+              <ma14:wrappingTextBoxFlag xmlns:ma14="http://schemas.microsoft.com/office/mac/drawingml/2011/main" xmlns="" val="1"/>
             </a:ext>
           </a:extLst>
         </p:spPr>
@@ -6049,7 +6043,7 @@
           </a:ln>
           <a:extLst>
             <a:ext uri="{C572A759-6A51-4108-AA02-DFA0A04FC94B}">
-              <ma14:wrappingTextBoxFlag xmlns="" xmlns:ma14="http://schemas.microsoft.com/office/mac/drawingml/2011/main" val="1"/>
+              <ma14:wrappingTextBoxFlag xmlns:ma14="http://schemas.microsoft.com/office/mac/drawingml/2011/main" xmlns="" val="1"/>
             </a:ext>
           </a:extLst>
         </p:spPr>
@@ -6169,7 +6163,7 @@
           </a:ln>
           <a:extLst>
             <a:ext uri="{C572A759-6A51-4108-AA02-DFA0A04FC94B}">
-              <ma14:wrappingTextBoxFlag xmlns="" xmlns:ma14="http://schemas.microsoft.com/office/mac/drawingml/2011/main" val="1"/>
+              <ma14:wrappingTextBoxFlag xmlns:ma14="http://schemas.microsoft.com/office/mac/drawingml/2011/main" xmlns="" val="1"/>
             </a:ext>
           </a:extLst>
         </p:spPr>
@@ -6292,7 +6286,7 @@
           </a:ln>
           <a:extLst>
             <a:ext uri="{C572A759-6A51-4108-AA02-DFA0A04FC94B}">
-              <ma14:wrappingTextBoxFlag xmlns="" xmlns:ma14="http://schemas.microsoft.com/office/mac/drawingml/2011/main" val="1"/>
+              <ma14:wrappingTextBoxFlag xmlns:ma14="http://schemas.microsoft.com/office/mac/drawingml/2011/main" xmlns="" val="1"/>
             </a:ext>
           </a:extLst>
         </p:spPr>
@@ -6359,7 +6353,7 @@
           <a:blip r:embed="rId4">
             <a:extLst>
               <a:ext uri="{28A0092B-C50C-407E-A947-70E740481C1C}">
-                <a14:useLocalDpi xmlns:a14="http://schemas.microsoft.com/office/drawing/2010/main" xmlns="" val="0"/>
+                <a14:useLocalDpi xmlns="" xmlns:a14="http://schemas.microsoft.com/office/drawing/2010/main" val="0"/>
               </a:ext>
             </a:extLst>
           </a:blip>
@@ -6380,7 +6374,7 @@
     </p:spTree>
     <p:extLst>
       <p:ext uri="{BB962C8B-B14F-4D97-AF65-F5344CB8AC3E}">
-        <p14:creationId xmlns:p14="http://schemas.microsoft.com/office/powerpoint/2010/main" xmlns="" val="1586534834"/>
+        <p14:creationId xmlns="" xmlns:p14="http://schemas.microsoft.com/office/powerpoint/2010/main" val="1586534834"/>
       </p:ext>
     </p:extLst>
   </p:cSld>
@@ -6435,7 +6429,7 @@
           </a:ln>
           <a:extLst>
             <a:ext uri="{C572A759-6A51-4108-AA02-DFA0A04FC94B}">
-              <ma14:wrappingTextBoxFlag xmlns="" xmlns:ma14="http://schemas.microsoft.com/office/mac/drawingml/2011/main" val="1"/>
+              <ma14:wrappingTextBoxFlag xmlns:ma14="http://schemas.microsoft.com/office/mac/drawingml/2011/main" xmlns="" val="1"/>
             </a:ext>
           </a:extLst>
         </p:spPr>
@@ -6555,7 +6549,7 @@
           </a:ln>
           <a:extLst>
             <a:ext uri="{C572A759-6A51-4108-AA02-DFA0A04FC94B}">
-              <ma14:wrappingTextBoxFlag xmlns="" xmlns:ma14="http://schemas.microsoft.com/office/mac/drawingml/2011/main" val="1"/>
+              <ma14:wrappingTextBoxFlag xmlns:ma14="http://schemas.microsoft.com/office/mac/drawingml/2011/main" xmlns="" val="1"/>
             </a:ext>
           </a:extLst>
         </p:spPr>
@@ -6682,7 +6676,7 @@
           <a:blip r:embed="rId5">
             <a:extLst>
               <a:ext uri="{28A0092B-C50C-407E-A947-70E740481C1C}">
-                <a14:useLocalDpi xmlns:a14="http://schemas.microsoft.com/office/drawing/2010/main" xmlns="" val="0"/>
+                <a14:useLocalDpi xmlns="" xmlns:a14="http://schemas.microsoft.com/office/drawing/2010/main" val="0"/>
               </a:ext>
             </a:extLst>
           </a:blip>
@@ -6719,7 +6713,7 @@
           </a:ln>
           <a:extLst>
             <a:ext uri="{C572A759-6A51-4108-AA02-DFA0A04FC94B}">
-              <ma14:wrappingTextBoxFlag xmlns="" xmlns:ma14="http://schemas.microsoft.com/office/mac/drawingml/2011/main" val="1"/>
+              <ma14:wrappingTextBoxFlag xmlns:ma14="http://schemas.microsoft.com/office/mac/drawingml/2011/main" xmlns="" val="1"/>
             </a:ext>
           </a:extLst>
         </p:spPr>
@@ -6998,7 +6992,7 @@
           </a:ln>
           <a:extLst>
             <a:ext uri="{C572A759-6A51-4108-AA02-DFA0A04FC94B}">
-              <ma14:wrappingTextBoxFlag xmlns="" xmlns:ma14="http://schemas.microsoft.com/office/mac/drawingml/2011/main" val="1"/>
+              <ma14:wrappingTextBoxFlag xmlns:ma14="http://schemas.microsoft.com/office/mac/drawingml/2011/main" xmlns="" val="1"/>
             </a:ext>
           </a:extLst>
         </p:spPr>
@@ -7182,7 +7176,7 @@
           <a:blip r:embed="rId4">
             <a:extLst>
               <a:ext uri="{28A0092B-C50C-407E-A947-70E740481C1C}">
-                <a14:useLocalDpi xmlns:a14="http://schemas.microsoft.com/office/drawing/2010/main" xmlns="" val="0"/>
+                <a14:useLocalDpi xmlns="" xmlns:a14="http://schemas.microsoft.com/office/drawing/2010/main" val="0"/>
               </a:ext>
             </a:extLst>
           </a:blip>
@@ -7253,7 +7247,7 @@
           </a:ln>
           <a:extLst>
             <a:ext uri="{C572A759-6A51-4108-AA02-DFA0A04FC94B}">
-              <ma14:wrappingTextBoxFlag xmlns="" xmlns:ma14="http://schemas.microsoft.com/office/mac/drawingml/2011/main" val="1"/>
+              <ma14:wrappingTextBoxFlag xmlns:ma14="http://schemas.microsoft.com/office/mac/drawingml/2011/main" xmlns="" val="1"/>
             </a:ext>
           </a:extLst>
         </p:spPr>
@@ -7373,7 +7367,7 @@
           </a:ln>
           <a:extLst>
             <a:ext uri="{C572A759-6A51-4108-AA02-DFA0A04FC94B}">
-              <ma14:wrappingTextBoxFlag xmlns="" xmlns:ma14="http://schemas.microsoft.com/office/mac/drawingml/2011/main" val="1"/>
+              <ma14:wrappingTextBoxFlag xmlns:ma14="http://schemas.microsoft.com/office/mac/drawingml/2011/main" xmlns="" val="1"/>
             </a:ext>
           </a:extLst>
         </p:spPr>
@@ -7461,7 +7455,6 @@
               <a:rPr lang="ru-RU" dirty="0" smtClean="0"/>
               <a:t>наряд</a:t>
             </a:r>
-            <a:endParaRPr lang="ru-RU" dirty="0" smtClean="0"/>
           </a:p>
           <a:p>
             <a:pPr marL="388937" indent="-388937">
@@ -7647,7 +7640,7 @@
     </p:spTree>
     <p:extLst>
       <p:ext uri="{BB962C8B-B14F-4D97-AF65-F5344CB8AC3E}">
-        <p14:creationId xmlns:p14="http://schemas.microsoft.com/office/powerpoint/2010/main" xmlns="" val="481187965"/>
+        <p14:creationId xmlns="" xmlns:p14="http://schemas.microsoft.com/office/powerpoint/2010/main" val="481187965"/>
       </p:ext>
     </p:extLst>
   </p:cSld>
